--- a/PRESENTATION.pptx
+++ b/PRESENTATION.pptx
@@ -16,7 +16,6 @@
     <p:sldId id="261" r:id="rId11"/>
     <p:sldId id="262" r:id="rId12"/>
     <p:sldId id="263" r:id="rId13"/>
-    <p:sldId id="264" r:id="rId14"/>
   </p:sldIdLst>
   <p:sldSz cy="5143500" cx="9144000"/>
   <p:notesSz cx="6858000" cy="9144000"/>
@@ -798,7 +797,7 @@
   <p:cSld>
     <p:spTree>
       <p:nvGrpSpPr>
-        <p:cNvPr id="56" name="Shape 56"/>
+        <p:cNvPr id="57" name="Shape 57"/>
         <p:cNvGrpSpPr/>
         <p:nvPr/>
       </p:nvGrpSpPr>
@@ -812,7 +811,7 @@
       </p:grpSpPr>
       <p:sp>
         <p:nvSpPr>
-          <p:cNvPr id="57" name="Google Shape;57;g2a4e4a4fc4a_0_47:notes"/>
+          <p:cNvPr id="58" name="Google Shape;58;g2a4e4a4fc4a_0_53:notes"/>
           <p:cNvSpPr/>
           <p:nvPr>
             <p:ph idx="2" type="sldImg"/>
@@ -847,7 +846,7 @@
       </p:sp>
       <p:sp>
         <p:nvSpPr>
-          <p:cNvPr id="58" name="Google Shape;58;g2a4e4a4fc4a_0_47:notes"/>
+          <p:cNvPr id="59" name="Google Shape;59;g2a4e4a4fc4a_0_53:notes"/>
           <p:cNvSpPr txBox="1"/>
           <p:nvPr>
             <p:ph idx="1" type="body"/>
@@ -911,7 +910,7 @@
       </p:grpSpPr>
       <p:sp>
         <p:nvSpPr>
-          <p:cNvPr id="64" name="Google Shape;64;g2a4e4a4fc4a_0_53:notes"/>
+          <p:cNvPr id="64" name="Google Shape;64;g2a4e4a4fc4a_0_59:notes"/>
           <p:cNvSpPr/>
           <p:nvPr>
             <p:ph idx="2" type="sldImg"/>
@@ -946,7 +945,7 @@
       </p:sp>
       <p:sp>
         <p:nvSpPr>
-          <p:cNvPr id="65" name="Google Shape;65;g2a4e4a4fc4a_0_53:notes"/>
+          <p:cNvPr id="65" name="Google Shape;65;g2a4e4a4fc4a_0_59:notes"/>
           <p:cNvSpPr txBox="1"/>
           <p:nvPr>
             <p:ph idx="1" type="body"/>
@@ -996,7 +995,7 @@
   <p:cSld>
     <p:spTree>
       <p:nvGrpSpPr>
-        <p:cNvPr id="69" name="Shape 69"/>
+        <p:cNvPr id="71" name="Shape 71"/>
         <p:cNvGrpSpPr/>
         <p:nvPr/>
       </p:nvGrpSpPr>
@@ -1010,7 +1009,7 @@
       </p:grpSpPr>
       <p:sp>
         <p:nvSpPr>
-          <p:cNvPr id="70" name="Google Shape;70;g2a4e4a4fc4a_0_59:notes"/>
+          <p:cNvPr id="72" name="Google Shape;72;g2a4e4a4fc4a_0_101:notes"/>
           <p:cNvSpPr/>
           <p:nvPr>
             <p:ph idx="2" type="sldImg"/>
@@ -1045,7 +1044,7 @@
       </p:sp>
       <p:sp>
         <p:nvSpPr>
-          <p:cNvPr id="71" name="Google Shape;71;g2a4e4a4fc4a_0_59:notes"/>
+          <p:cNvPr id="73" name="Google Shape;73;g2a4e4a4fc4a_0_101:notes"/>
           <p:cNvSpPr txBox="1"/>
           <p:nvPr>
             <p:ph idx="1" type="body"/>
@@ -1095,7 +1094,7 @@
   <p:cSld>
     <p:spTree>
       <p:nvGrpSpPr>
-        <p:cNvPr id="77" name="Shape 77"/>
+        <p:cNvPr id="79" name="Shape 79"/>
         <p:cNvGrpSpPr/>
         <p:nvPr/>
       </p:nvGrpSpPr>
@@ -1109,7 +1108,7 @@
       </p:grpSpPr>
       <p:sp>
         <p:nvSpPr>
-          <p:cNvPr id="78" name="Google Shape;78;g2a4e4a4fc4a_0_87:notes"/>
+          <p:cNvPr id="80" name="Google Shape;80;g2a4e4a4fc4a_0_87:notes"/>
           <p:cNvSpPr/>
           <p:nvPr>
             <p:ph idx="2" type="sldImg"/>
@@ -1144,7 +1143,7 @@
       </p:sp>
       <p:sp>
         <p:nvSpPr>
-          <p:cNvPr id="79" name="Google Shape;79;g2a4e4a4fc4a_0_87:notes"/>
+          <p:cNvPr id="81" name="Google Shape;81;g2a4e4a4fc4a_0_87:notes"/>
           <p:cNvSpPr txBox="1"/>
           <p:nvPr>
             <p:ph idx="1" type="body"/>
@@ -1194,7 +1193,7 @@
   <p:cSld>
     <p:spTree>
       <p:nvGrpSpPr>
-        <p:cNvPr id="83" name="Shape 83"/>
+        <p:cNvPr id="85" name="Shape 85"/>
         <p:cNvGrpSpPr/>
         <p:nvPr/>
       </p:nvGrpSpPr>
@@ -1208,7 +1207,7 @@
       </p:grpSpPr>
       <p:sp>
         <p:nvSpPr>
-          <p:cNvPr id="84" name="Google Shape;84;g2a4e4a4fc4a_0_101:notes"/>
+          <p:cNvPr id="86" name="Google Shape;86;g2a4e4a4fc4a_0_114:notes"/>
           <p:cNvSpPr/>
           <p:nvPr>
             <p:ph idx="2" type="sldImg"/>
@@ -1243,7 +1242,7 @@
       </p:sp>
       <p:sp>
         <p:nvSpPr>
-          <p:cNvPr id="85" name="Google Shape;85;g2a4e4a4fc4a_0_101:notes"/>
+          <p:cNvPr id="87" name="Google Shape;87;g2a4e4a4fc4a_0_114:notes"/>
           <p:cNvSpPr txBox="1"/>
           <p:nvPr>
             <p:ph idx="1" type="body"/>
@@ -1307,7 +1306,7 @@
       </p:grpSpPr>
       <p:sp>
         <p:nvSpPr>
-          <p:cNvPr id="92" name="Google Shape;92;g2a4e4a4fc4a_0_114:notes"/>
+          <p:cNvPr id="92" name="Google Shape;92;g2a4e4a4fc4a_0_96:notes"/>
           <p:cNvSpPr/>
           <p:nvPr>
             <p:ph idx="2" type="sldImg"/>
@@ -1342,7 +1341,7 @@
       </p:sp>
       <p:sp>
         <p:nvSpPr>
-          <p:cNvPr id="93" name="Google Shape;93;g2a4e4a4fc4a_0_114:notes"/>
+          <p:cNvPr id="93" name="Google Shape;93;g2a4e4a4fc4a_0_96:notes"/>
           <p:cNvSpPr txBox="1"/>
           <p:nvPr>
             <p:ph idx="1" type="body"/>
@@ -1406,7 +1405,7 @@
       </p:grpSpPr>
       <p:sp>
         <p:nvSpPr>
-          <p:cNvPr id="98" name="Google Shape;98;g2a4e4a4fc4a_0_96:notes"/>
+          <p:cNvPr id="98" name="Google Shape;98;g2a4e4a4fc4a_0_128:notes"/>
           <p:cNvSpPr/>
           <p:nvPr>
             <p:ph idx="2" type="sldImg"/>
@@ -1441,106 +1440,7 @@
       </p:sp>
       <p:sp>
         <p:nvSpPr>
-          <p:cNvPr id="99" name="Google Shape;99;g2a4e4a4fc4a_0_96:notes"/>
-          <p:cNvSpPr txBox="1"/>
-          <p:nvPr>
-            <p:ph idx="1" type="body"/>
-          </p:nvPr>
-        </p:nvSpPr>
-        <p:spPr>
-          <a:xfrm>
-            <a:off x="685800" y="4343400"/>
-            <a:ext cx="5486400" cy="4114800"/>
-          </a:xfrm>
-          <a:prstGeom prst="rect">
-            <a:avLst/>
-          </a:prstGeom>
-        </p:spPr>
-        <p:txBody>
-          <a:bodyPr anchorCtr="0" anchor="t" bIns="91425" lIns="91425" spcFirstLastPara="1" rIns="91425" wrap="square" tIns="91425">
-            <a:noAutofit/>
-          </a:bodyPr>
-          <a:lstStyle/>
-          <a:p>
-            <a:pPr indent="0" lvl="0" marL="0" rtl="0" algn="l">
-              <a:spcBef>
-                <a:spcPts val="0"/>
-              </a:spcBef>
-              <a:spcAft>
-                <a:spcPts val="0"/>
-              </a:spcAft>
-              <a:buNone/>
-            </a:pPr>
-            <a:r>
-              <a:t/>
-            </a:r>
-            <a:endParaRPr/>
-          </a:p>
-        </p:txBody>
-      </p:sp>
-    </p:spTree>
-  </p:cSld>
-  <p:clrMapOvr>
-    <a:masterClrMapping/>
-  </p:clrMapOvr>
-</p:notes>
-</file>
-
-<file path=ppt/notesSlides/notesSlide9.xml><?xml version="1.0" encoding="utf-8"?>
-<p:notes xmlns:a="http://schemas.openxmlformats.org/drawingml/2006/main" xmlns:r="http://schemas.openxmlformats.org/officeDocument/2006/relationships" xmlns:mc="http://schemas.openxmlformats.org/markup-compatibility/2006" xmlns:mv="urn:schemas-microsoft-com:mac:vml" xmlns:p="http://schemas.openxmlformats.org/presentationml/2006/main" xmlns:c="http://schemas.openxmlformats.org/drawingml/2006/chart" xmlns:dgm="http://schemas.openxmlformats.org/drawingml/2006/diagram" xmlns:o="urn:schemas-microsoft-com:office:office" xmlns:v="urn:schemas-microsoft-com:vml" xmlns:pvml="urn:schemas-microsoft-com:office:powerpoint" xmlns:com="http://schemas.openxmlformats.org/drawingml/2006/compatibility" xmlns:p14="http://schemas.microsoft.com/office/powerpoint/2010/main" xmlns:p15="http://schemas.microsoft.com/office/powerpoint/2012/main" xmlns:ahyp="http://schemas.microsoft.com/office/drawing/2018/hyperlinkcolor" showMasterPhAnim="0" showMasterSp="0">
-  <p:cSld>
-    <p:spTree>
-      <p:nvGrpSpPr>
-        <p:cNvPr id="103" name="Shape 103"/>
-        <p:cNvGrpSpPr/>
-        <p:nvPr/>
-      </p:nvGrpSpPr>
-      <p:grpSpPr>
-        <a:xfrm>
-          <a:off x="0" y="0"/>
-          <a:ext cx="0" cy="0"/>
-          <a:chOff x="0" y="0"/>
-          <a:chExt cx="0" cy="0"/>
-        </a:xfrm>
-      </p:grpSpPr>
-      <p:sp>
-        <p:nvSpPr>
-          <p:cNvPr id="104" name="Google Shape;104;g2a4e4a4fc4a_0_128:notes"/>
-          <p:cNvSpPr/>
-          <p:nvPr>
-            <p:ph idx="2" type="sldImg"/>
-          </p:nvPr>
-        </p:nvSpPr>
-        <p:spPr>
-          <a:xfrm>
-            <a:off x="381300" y="685800"/>
-            <a:ext cx="6096000" cy="3429000"/>
-          </a:xfrm>
-          <a:custGeom>
-            <a:rect b="b" l="l" r="r" t="t"/>
-            <a:pathLst>
-              <a:path extrusionOk="0" h="120000" w="120000">
-                <a:moveTo>
-                  <a:pt x="0" y="0"/>
-                </a:moveTo>
-                <a:lnTo>
-                  <a:pt x="120000" y="0"/>
-                </a:lnTo>
-                <a:lnTo>
-                  <a:pt x="120000" y="120000"/>
-                </a:lnTo>
-                <a:lnTo>
-                  <a:pt x="0" y="120000"/>
-                </a:lnTo>
-                <a:close/>
-              </a:path>
-            </a:pathLst>
-          </a:custGeom>
-        </p:spPr>
-      </p:sp>
-      <p:sp>
-        <p:nvSpPr>
-          <p:cNvPr id="105" name="Google Shape;105;g2a4e4a4fc4a_0_128:notes"/>
+          <p:cNvPr id="99" name="Google Shape;99;g2a4e4a4fc4a_0_128:notes"/>
           <p:cNvSpPr txBox="1"/>
           <p:nvPr>
             <p:ph idx="1" type="body"/>
@@ -6409,6 +6309,54 @@
           </a:p>
         </p:txBody>
       </p:sp>
+      <p:sp>
+        <p:nvSpPr>
+          <p:cNvPr id="56" name="Google Shape;56;p13"/>
+          <p:cNvSpPr txBox="1"/>
+          <p:nvPr>
+            <p:ph idx="1" type="subTitle"/>
+          </p:nvPr>
+        </p:nvSpPr>
+        <p:spPr>
+          <a:xfrm>
+            <a:off x="159350" y="4636375"/>
+            <a:ext cx="3799500" cy="434700"/>
+          </a:xfrm>
+          <a:prstGeom prst="rect">
+            <a:avLst/>
+          </a:prstGeom>
+        </p:spPr>
+        <p:txBody>
+          <a:bodyPr anchorCtr="0" anchor="t" bIns="91425" lIns="91425" spcFirstLastPara="1" rIns="91425" wrap="square" tIns="91425">
+            <a:normAutofit fontScale="85000"/>
+          </a:bodyPr>
+          <a:lstStyle/>
+          <a:p>
+            <a:pPr indent="0" lvl="0" marL="0" rtl="0" algn="ctr">
+              <a:spcBef>
+                <a:spcPts val="0"/>
+              </a:spcBef>
+              <a:spcAft>
+                <a:spcPts val="0"/>
+              </a:spcAft>
+              <a:buNone/>
+            </a:pPr>
+            <a:r>
+              <a:rPr lang="pt-PT" sz="1300"/>
+              <a:t>Grupo A62: </a:t>
+            </a:r>
+            <a:r>
+              <a:rPr lang="pt-PT" sz="1300"/>
+              <a:t>Duarte S</a:t>
+            </a:r>
+            <a:r>
+              <a:rPr lang="pt-PT" sz="1300"/>
+              <a:t>ão José, João Maçãs, Miguel Parece</a:t>
+            </a:r>
+            <a:endParaRPr sz="1300"/>
+          </a:p>
+        </p:txBody>
+      </p:sp>
     </p:spTree>
   </p:cSld>
   <p:clrMapOvr>
@@ -6422,7 +6370,7 @@
   <p:cSld>
     <p:spTree>
       <p:nvGrpSpPr>
-        <p:cNvPr id="59" name="Shape 59"/>
+        <p:cNvPr id="60" name="Shape 60"/>
         <p:cNvGrpSpPr/>
         <p:nvPr/>
       </p:nvGrpSpPr>
@@ -6436,7 +6384,7 @@
       </p:grpSpPr>
       <p:sp>
         <p:nvSpPr>
-          <p:cNvPr id="60" name="Google Shape;60;p14"/>
+          <p:cNvPr id="61" name="Google Shape;61;p14"/>
           <p:cNvSpPr txBox="1"/>
           <p:nvPr>
             <p:ph type="title"/>
@@ -6468,22 +6416,7 @@
             </a:pPr>
             <a:r>
               <a:rPr lang="pt-PT"/>
-              <a:t>Project Overview</a:t>
-            </a:r>
-            <a:endParaRPr/>
-          </a:p>
-          <a:p>
-            <a:pPr indent="0" lvl="0" marL="0" rtl="0" algn="l">
-              <a:spcBef>
-                <a:spcPts val="0"/>
-              </a:spcBef>
-              <a:spcAft>
-                <a:spcPts val="0"/>
-              </a:spcAft>
-              <a:buNone/>
-            </a:pPr>
-            <a:r>
-              <a:t/>
+              <a:t>Local Security</a:t>
             </a:r>
             <a:endParaRPr/>
           </a:p>
@@ -6491,7 +6424,7 @@
       </p:sp>
       <p:sp>
         <p:nvSpPr>
-          <p:cNvPr id="61" name="Google Shape;61;p14"/>
+          <p:cNvPr id="62" name="Google Shape;62;p14"/>
           <p:cNvSpPr txBox="1"/>
           <p:nvPr>
             <p:ph idx="1" type="body"/>
@@ -6499,32 +6432,22 @@
         </p:nvSpPr>
         <p:spPr>
           <a:xfrm>
-            <a:off x="311700" y="1152475"/>
-            <a:ext cx="8520600" cy="2329800"/>
+            <a:off x="358525" y="1017725"/>
+            <a:ext cx="8520600" cy="3903900"/>
           </a:xfrm>
           <a:prstGeom prst="rect">
             <a:avLst/>
           </a:prstGeom>
-          <a:effectLst>
-            <a:outerShdw blurRad="57150" rotWithShape="0" algn="bl" dir="5400000" dist="19050">
-              <a:srgbClr val="000000">
-                <a:alpha val="50000"/>
-              </a:srgbClr>
-            </a:outerShdw>
-          </a:effectLst>
         </p:spPr>
         <p:txBody>
           <a:bodyPr anchorCtr="0" anchor="t" bIns="91425" lIns="91425" spcFirstLastPara="1" rIns="91425" wrap="square" tIns="91425">
-            <a:noAutofit/>
+            <a:normAutofit fontScale="25000"/>
           </a:bodyPr>
           <a:lstStyle/>
           <a:p>
-            <a:pPr indent="0" lvl="0" marL="457200" rtl="0" algn="l">
-              <a:lnSpc>
-                <a:spcPct val="105000"/>
-              </a:lnSpc>
-              <a:spcBef>
-                <a:spcPts val="0"/>
+            <a:pPr indent="0" lvl="0" marL="0" rtl="0" algn="l">
+              <a:spcBef>
+                <a:spcPts val="1200"/>
               </a:spcBef>
               <a:spcAft>
                 <a:spcPts val="0"/>
@@ -6532,95 +6455,148 @@
               <a:buNone/>
             </a:pPr>
             <a:r>
-              <a:t/>
+              <a:rPr b="1" lang="pt-PT" sz="7183"/>
+              <a:t>Secure Document</a:t>
             </a:r>
-            <a:endParaRPr sz="2200"/>
-          </a:p>
-          <a:p>
-            <a:pPr indent="-368300" lvl="0" marL="457200" rtl="0" algn="l">
-              <a:lnSpc>
-                <a:spcPct val="105000"/>
-              </a:lnSpc>
+            <a:endParaRPr sz="7183"/>
+          </a:p>
+          <a:p>
+            <a:pPr indent="-342639" lvl="0" marL="914400" rtl="0" algn="l">
               <a:spcBef>
                 <a:spcPts val="1200"/>
               </a:spcBef>
               <a:spcAft>
                 <a:spcPts val="0"/>
               </a:spcAft>
-              <a:buSzPts val="2200"/>
+              <a:buSzPct val="100000"/>
               <a:buChar char="●"/>
             </a:pPr>
             <a:r>
-              <a:rPr lang="pt-PT" sz="2200"/>
-              <a:t>Local-first architecture prioritizing security</a:t>
+              <a:rPr lang="pt-PT" sz="7183"/>
+              <a:t>[SR1] Confidentiality: Only the owner of the notes can see their content.</a:t>
             </a:r>
-            <a:endParaRPr sz="2200"/>
-          </a:p>
-          <a:p>
-            <a:pPr indent="-368300" lvl="0" marL="457200" rtl="0" algn="l">
-              <a:lnSpc>
-                <a:spcPct val="105000"/>
-              </a:lnSpc>
-              <a:spcBef>
-                <a:spcPts val="0"/>
-              </a:spcBef>
-              <a:spcAft>
-                <a:spcPts val="0"/>
-              </a:spcAft>
-              <a:buSzPts val="2200"/>
+            <a:endParaRPr sz="7183"/>
+          </a:p>
+          <a:p>
+            <a:pPr indent="-342639" lvl="0" marL="914400" rtl="0" algn="l">
+              <a:spcBef>
+                <a:spcPts val="0"/>
+              </a:spcBef>
+              <a:spcAft>
+                <a:spcPts val="0"/>
+              </a:spcAft>
+              <a:buSzPct val="100000"/>
               <a:buChar char="●"/>
             </a:pPr>
             <a:r>
-              <a:rPr lang="pt-PT" sz="2200"/>
-              <a:t>End-to-end encryption for all sensitive data</a:t>
+              <a:rPr lang="pt-PT" sz="7183"/>
+              <a:t>[SR2] Integrity: The owner of the notes can verify they were not tampered with.</a:t>
             </a:r>
-            <a:endParaRPr sz="2200"/>
-          </a:p>
-          <a:p>
-            <a:pPr indent="-368300" lvl="0" marL="457200" rtl="0" algn="l">
-              <a:lnSpc>
-                <a:spcPct val="105000"/>
-              </a:lnSpc>
-              <a:spcBef>
-                <a:spcPts val="0"/>
-              </a:spcBef>
-              <a:spcAft>
-                <a:spcPts val="0"/>
-              </a:spcAft>
-              <a:buSzPts val="2200"/>
+            <a:endParaRPr sz="7183"/>
+          </a:p>
+          <a:p>
+            <a:pPr indent="-342639" lvl="0" marL="914400" rtl="0" algn="l">
+              <a:spcBef>
+                <a:spcPts val="0"/>
+              </a:spcBef>
+              <a:spcAft>
+                <a:spcPts val="0"/>
+              </a:spcAft>
+              <a:buSzPct val="100000"/>
               <a:buChar char="●"/>
             </a:pPr>
             <a:r>
-              <a:rPr lang="pt-PT" sz="2200"/>
-              <a:t>Secure collaboration features</a:t>
+              <a:rPr lang="pt-PT" sz="7183"/>
+              <a:t>[SR3] Integrity: The owner of the notes can verify if some note is missing.</a:t>
             </a:r>
-            <a:endParaRPr sz="2200"/>
-          </a:p>
-          <a:p>
-            <a:pPr indent="-368300" lvl="0" marL="457200" rtl="0" algn="l">
-              <a:lnSpc>
-                <a:spcPct val="105000"/>
-              </a:lnSpc>
-              <a:spcBef>
-                <a:spcPts val="0"/>
-              </a:spcBef>
-              <a:spcAft>
-                <a:spcPts val="0"/>
-              </a:spcAft>
-              <a:buSzPts val="2200"/>
+            <a:endParaRPr sz="7183"/>
+          </a:p>
+          <a:p>
+            <a:pPr indent="-342639" lvl="0" marL="914400" rtl="0" algn="l">
+              <a:spcBef>
+                <a:spcPts val="0"/>
+              </a:spcBef>
+              <a:spcAft>
+                <a:spcPts val="0"/>
+              </a:spcAft>
+              <a:buSzPct val="100000"/>
               <a:buChar char="●"/>
             </a:pPr>
             <a:r>
-              <a:rPr lang="pt-PT" sz="2200"/>
-              <a:t>Strong authentication and access control</a:t>
+              <a:rPr lang="pt-PT" sz="7183"/>
+              <a:t>[SR4] Authentication: Only the owner of the notes can access them.</a:t>
             </a:r>
-            <a:endParaRPr sz="2200"/>
-          </a:p>
-          <a:p>
-            <a:pPr indent="0" lvl="0" marL="457200" rtl="0" algn="l">
-              <a:lnSpc>
-                <a:spcPct val="105000"/>
-              </a:lnSpc>
+            <a:endParaRPr sz="7183"/>
+          </a:p>
+          <a:p>
+            <a:pPr indent="0" lvl="0" marL="0" rtl="0" algn="l">
+              <a:spcBef>
+                <a:spcPts val="1200"/>
+              </a:spcBef>
+              <a:spcAft>
+                <a:spcPts val="0"/>
+              </a:spcAft>
+              <a:buNone/>
+            </a:pPr>
+            <a:r>
+              <a:rPr b="1" lang="pt-PT" sz="7183"/>
+              <a:t>Implementation</a:t>
+            </a:r>
+            <a:endParaRPr sz="7183"/>
+          </a:p>
+          <a:p>
+            <a:pPr indent="-342639" lvl="0" marL="914400" rtl="0" algn="l">
+              <a:spcBef>
+                <a:spcPts val="1200"/>
+              </a:spcBef>
+              <a:spcAft>
+                <a:spcPts val="0"/>
+              </a:spcAft>
+              <a:buSzPct val="100000"/>
+              <a:buChar char="●"/>
+            </a:pPr>
+            <a:r>
+              <a:rPr lang="pt-PT" sz="7183"/>
+              <a:t>AES-CBC for content encryption</a:t>
+            </a:r>
+            <a:endParaRPr sz="7183"/>
+          </a:p>
+          <a:p>
+            <a:pPr indent="-342639" lvl="0" marL="914400" rtl="0" algn="l">
+              <a:spcBef>
+                <a:spcPts val="0"/>
+              </a:spcBef>
+              <a:spcAft>
+                <a:spcPts val="0"/>
+              </a:spcAft>
+              <a:buSzPct val="100000"/>
+              <a:buChar char="●"/>
+            </a:pPr>
+            <a:r>
+              <a:rPr lang="pt-PT" sz="7183"/>
+              <a:t>HMAC-SHA256 for integrity verification</a:t>
+            </a:r>
+            <a:endParaRPr sz="7183"/>
+          </a:p>
+          <a:p>
+            <a:pPr indent="-342639" lvl="0" marL="914400" rtl="0" algn="l">
+              <a:spcBef>
+                <a:spcPts val="0"/>
+              </a:spcBef>
+              <a:spcAft>
+                <a:spcPts val="0"/>
+              </a:spcAft>
+              <a:buSzPct val="100000"/>
+              <a:buChar char="●"/>
+            </a:pPr>
+            <a:r>
+              <a:rPr lang="pt-PT" sz="7183"/>
+              <a:t>Unique symmetric key per note</a:t>
+            </a:r>
+            <a:endParaRPr sz="7183"/>
+          </a:p>
+          <a:p>
+            <a:pPr indent="0" lvl="0" marL="0" rtl="0" algn="l">
               <a:spcBef>
                 <a:spcPts val="1200"/>
               </a:spcBef>
@@ -6633,59 +6609,6 @@
               <a:t/>
             </a:r>
             <a:endParaRPr/>
-          </a:p>
-        </p:txBody>
-      </p:sp>
-      <p:sp>
-        <p:nvSpPr>
-          <p:cNvPr id="62" name="Google Shape;62;p14"/>
-          <p:cNvSpPr txBox="1"/>
-          <p:nvPr/>
-        </p:nvSpPr>
-        <p:spPr>
-          <a:xfrm>
-            <a:off x="311700" y="3482275"/>
-            <a:ext cx="8383800" cy="366900"/>
-          </a:xfrm>
-          <a:prstGeom prst="rect">
-            <a:avLst/>
-          </a:prstGeom>
-          <a:noFill/>
-          <a:ln>
-            <a:noFill/>
-          </a:ln>
-        </p:spPr>
-        <p:txBody>
-          <a:bodyPr anchorCtr="0" anchor="t" bIns="91425" lIns="91425" spcFirstLastPara="1" rIns="91425" wrap="square" tIns="91425">
-            <a:noAutofit/>
-          </a:bodyPr>
-          <a:lstStyle/>
-          <a:p>
-            <a:pPr indent="0" lvl="0" marL="0" rtl="0" algn="l">
-              <a:lnSpc>
-                <a:spcPct val="115000"/>
-              </a:lnSpc>
-              <a:spcBef>
-                <a:spcPts val="1200"/>
-              </a:spcBef>
-              <a:spcAft>
-                <a:spcPts val="1200"/>
-              </a:spcAft>
-              <a:buNone/>
-            </a:pPr>
-            <a:r>
-              <a:rPr lang="pt-PT" sz="1100">
-                <a:solidFill>
-                  <a:schemeClr val="lt2"/>
-                </a:solidFill>
-              </a:rPr>
-              <a:t>Addressing the growing need for private, secure note-taking solutions</a:t>
-            </a:r>
-            <a:endParaRPr sz="1100">
-              <a:solidFill>
-                <a:schemeClr val="lt2"/>
-              </a:solidFill>
-            </a:endParaRPr>
           </a:p>
         </p:txBody>
       </p:sp>
@@ -6752,326 +6675,26 @@
             </a:r>
             <a:endParaRPr/>
           </a:p>
+          <a:p>
+            <a:pPr indent="0" lvl="0" marL="0" rtl="0" algn="l">
+              <a:spcBef>
+                <a:spcPts val="0"/>
+              </a:spcBef>
+              <a:spcAft>
+                <a:spcPts val="0"/>
+              </a:spcAft>
+              <a:buNone/>
+            </a:pPr>
+            <a:r>
+              <a:t/>
+            </a:r>
+            <a:endParaRPr/>
+          </a:p>
         </p:txBody>
       </p:sp>
       <p:sp>
         <p:nvSpPr>
           <p:cNvPr id="68" name="Google Shape;68;p15"/>
-          <p:cNvSpPr txBox="1"/>
-          <p:nvPr>
-            <p:ph idx="1" type="body"/>
-          </p:nvPr>
-        </p:nvSpPr>
-        <p:spPr>
-          <a:xfrm>
-            <a:off x="358525" y="1017725"/>
-            <a:ext cx="8520600" cy="3416400"/>
-          </a:xfrm>
-          <a:prstGeom prst="rect">
-            <a:avLst/>
-          </a:prstGeom>
-        </p:spPr>
-        <p:txBody>
-          <a:bodyPr anchorCtr="0" anchor="t" bIns="91425" lIns="91425" spcFirstLastPara="1" rIns="91425" wrap="square" tIns="91425">
-            <a:normAutofit fontScale="25000" lnSpcReduction="20000"/>
-          </a:bodyPr>
-          <a:lstStyle/>
-          <a:p>
-            <a:pPr indent="0" lvl="0" marL="0" rtl="0" algn="l">
-              <a:spcBef>
-                <a:spcPts val="1200"/>
-              </a:spcBef>
-              <a:spcAft>
-                <a:spcPts val="0"/>
-              </a:spcAft>
-              <a:buNone/>
-            </a:pPr>
-            <a:r>
-              <a:rPr b="1" lang="pt-PT" sz="7183"/>
-              <a:t>Security Requirements</a:t>
-            </a:r>
-            <a:endParaRPr sz="7183"/>
-          </a:p>
-          <a:p>
-            <a:pPr indent="-342639" lvl="0" marL="914400" rtl="0" algn="l">
-              <a:spcBef>
-                <a:spcPts val="1200"/>
-              </a:spcBef>
-              <a:spcAft>
-                <a:spcPts val="0"/>
-              </a:spcAft>
-              <a:buSzPct val="100000"/>
-              <a:buChar char="●"/>
-            </a:pPr>
-            <a:r>
-              <a:rPr lang="pt-PT" sz="7183"/>
-              <a:t>[SR1] Confidentiality: Only authorized users can access content</a:t>
-            </a:r>
-            <a:endParaRPr sz="7183"/>
-          </a:p>
-          <a:p>
-            <a:pPr indent="-342639" lvl="0" marL="914400" rtl="0" algn="l">
-              <a:spcBef>
-                <a:spcPts val="0"/>
-              </a:spcBef>
-              <a:spcAft>
-                <a:spcPts val="0"/>
-              </a:spcAft>
-              <a:buSzPct val="100000"/>
-              <a:buChar char="●"/>
-            </a:pPr>
-            <a:r>
-              <a:rPr lang="pt-PT" sz="7183"/>
-              <a:t>[SR2] Integrity: Tamper detection for individual notes</a:t>
-            </a:r>
-            <a:endParaRPr sz="7183"/>
-          </a:p>
-          <a:p>
-            <a:pPr indent="-342639" lvl="0" marL="914400" rtl="0" algn="l">
-              <a:spcBef>
-                <a:spcPts val="0"/>
-              </a:spcBef>
-              <a:spcAft>
-                <a:spcPts val="0"/>
-              </a:spcAft>
-              <a:buSzPct val="100000"/>
-              <a:buChar char="●"/>
-            </a:pPr>
-            <a:r>
-              <a:rPr lang="pt-PT" sz="7183"/>
-              <a:t>[SR3] Integrity: Detection of missing notes</a:t>
-            </a:r>
-            <a:endParaRPr sz="7183"/>
-          </a:p>
-          <a:p>
-            <a:pPr indent="-342639" lvl="0" marL="914400" rtl="0" algn="l">
-              <a:spcBef>
-                <a:spcPts val="0"/>
-              </a:spcBef>
-              <a:spcAft>
-                <a:spcPts val="0"/>
-              </a:spcAft>
-              <a:buSzPct val="100000"/>
-              <a:buChar char="●"/>
-            </a:pPr>
-            <a:r>
-              <a:rPr lang="pt-PT" sz="7183"/>
-              <a:t>[SR4] Authentication: Only owners can access their notes</a:t>
-            </a:r>
-            <a:endParaRPr sz="7183"/>
-          </a:p>
-          <a:p>
-            <a:pPr indent="0" lvl="0" marL="914400" rtl="0" algn="l">
-              <a:spcBef>
-                <a:spcPts val="1200"/>
-              </a:spcBef>
-              <a:spcAft>
-                <a:spcPts val="0"/>
-              </a:spcAft>
-              <a:buNone/>
-            </a:pPr>
-            <a:r>
-              <a:t/>
-            </a:r>
-            <a:endParaRPr sz="7183"/>
-          </a:p>
-          <a:p>
-            <a:pPr indent="0" lvl="0" marL="0" rtl="0" algn="l">
-              <a:spcBef>
-                <a:spcPts val="1200"/>
-              </a:spcBef>
-              <a:spcAft>
-                <a:spcPts val="0"/>
-              </a:spcAft>
-              <a:buNone/>
-            </a:pPr>
-            <a:r>
-              <a:rPr b="1" lang="pt-PT" sz="7183"/>
-              <a:t>Implementation</a:t>
-            </a:r>
-            <a:endParaRPr sz="7183"/>
-          </a:p>
-          <a:p>
-            <a:pPr indent="-342639" lvl="0" marL="914400" rtl="0" algn="l">
-              <a:spcBef>
-                <a:spcPts val="1200"/>
-              </a:spcBef>
-              <a:spcAft>
-                <a:spcPts val="0"/>
-              </a:spcAft>
-              <a:buSzPct val="100000"/>
-              <a:buChar char="●"/>
-            </a:pPr>
-            <a:r>
-              <a:rPr lang="pt-PT" sz="7183"/>
-              <a:t>AES-CBC for content encryption</a:t>
-            </a:r>
-            <a:endParaRPr sz="7183"/>
-          </a:p>
-          <a:p>
-            <a:pPr indent="-342639" lvl="0" marL="914400" rtl="0" algn="l">
-              <a:spcBef>
-                <a:spcPts val="0"/>
-              </a:spcBef>
-              <a:spcAft>
-                <a:spcPts val="0"/>
-              </a:spcAft>
-              <a:buSzPct val="100000"/>
-              <a:buChar char="●"/>
-            </a:pPr>
-            <a:r>
-              <a:rPr lang="pt-PT" sz="7183"/>
-              <a:t>HMAC-SHA256 for integrity verification</a:t>
-            </a:r>
-            <a:endParaRPr sz="7183"/>
-          </a:p>
-          <a:p>
-            <a:pPr indent="-342639" lvl="0" marL="914400" rtl="0" algn="l">
-              <a:spcBef>
-                <a:spcPts val="0"/>
-              </a:spcBef>
-              <a:spcAft>
-                <a:spcPts val="0"/>
-              </a:spcAft>
-              <a:buSzPct val="100000"/>
-              <a:buChar char="●"/>
-            </a:pPr>
-            <a:r>
-              <a:rPr lang="pt-PT" sz="7183"/>
-              <a:t>Unique symmetric key per note</a:t>
-            </a:r>
-            <a:endParaRPr sz="7183"/>
-          </a:p>
-          <a:p>
-            <a:pPr indent="0" lvl="0" marL="914400" rtl="0" algn="l">
-              <a:spcBef>
-                <a:spcPts val="1200"/>
-              </a:spcBef>
-              <a:spcAft>
-                <a:spcPts val="0"/>
-              </a:spcAft>
-              <a:buNone/>
-            </a:pPr>
-            <a:r>
-              <a:t/>
-            </a:r>
-            <a:endParaRPr/>
-          </a:p>
-          <a:p>
-            <a:pPr indent="0" lvl="0" marL="914400" rtl="0" algn="l">
-              <a:spcBef>
-                <a:spcPts val="1200"/>
-              </a:spcBef>
-              <a:spcAft>
-                <a:spcPts val="0"/>
-              </a:spcAft>
-              <a:buNone/>
-            </a:pPr>
-            <a:r>
-              <a:t/>
-            </a:r>
-            <a:endParaRPr/>
-          </a:p>
-          <a:p>
-            <a:pPr indent="0" lvl="0" marL="0" rtl="0" algn="l">
-              <a:spcBef>
-                <a:spcPts val="1200"/>
-              </a:spcBef>
-              <a:spcAft>
-                <a:spcPts val="1200"/>
-              </a:spcAft>
-              <a:buNone/>
-            </a:pPr>
-            <a:r>
-              <a:t/>
-            </a:r>
-            <a:endParaRPr/>
-          </a:p>
-        </p:txBody>
-      </p:sp>
-    </p:spTree>
-  </p:cSld>
-  <p:clrMapOvr>
-    <a:masterClrMapping/>
-  </p:clrMapOvr>
-</p:sld>
-</file>
-
-<file path=ppt/slides/slide4.xml><?xml version="1.0" encoding="utf-8"?>
-<p:sld xmlns:a="http://schemas.openxmlformats.org/drawingml/2006/main" xmlns:r="http://schemas.openxmlformats.org/officeDocument/2006/relationships" xmlns:mc="http://schemas.openxmlformats.org/markup-compatibility/2006" xmlns:mv="urn:schemas-microsoft-com:mac:vml" xmlns:p="http://schemas.openxmlformats.org/presentationml/2006/main" xmlns:c="http://schemas.openxmlformats.org/drawingml/2006/chart" xmlns:dgm="http://schemas.openxmlformats.org/drawingml/2006/diagram" xmlns:o="urn:schemas-microsoft-com:office:office" xmlns:v="urn:schemas-microsoft-com:vml" xmlns:pvml="urn:schemas-microsoft-com:office:powerpoint" xmlns:com="http://schemas.openxmlformats.org/drawingml/2006/compatibility" xmlns:p14="http://schemas.microsoft.com/office/powerpoint/2010/main" xmlns:p15="http://schemas.microsoft.com/office/powerpoint/2012/main" xmlns:ahyp="http://schemas.microsoft.com/office/drawing/2018/hyperlinkcolor">
-  <p:cSld>
-    <p:spTree>
-      <p:nvGrpSpPr>
-        <p:cNvPr id="72" name="Shape 72"/>
-        <p:cNvGrpSpPr/>
-        <p:nvPr/>
-      </p:nvGrpSpPr>
-      <p:grpSpPr>
-        <a:xfrm>
-          <a:off x="0" y="0"/>
-          <a:ext cx="0" cy="0"/>
-          <a:chOff x="0" y="0"/>
-          <a:chExt cx="0" cy="0"/>
-        </a:xfrm>
-      </p:grpSpPr>
-      <p:sp>
-        <p:nvSpPr>
-          <p:cNvPr id="73" name="Google Shape;73;p16"/>
-          <p:cNvSpPr txBox="1"/>
-          <p:nvPr>
-            <p:ph type="title"/>
-          </p:nvPr>
-        </p:nvSpPr>
-        <p:spPr>
-          <a:xfrm>
-            <a:off x="311700" y="445025"/>
-            <a:ext cx="8520600" cy="572700"/>
-          </a:xfrm>
-          <a:prstGeom prst="rect">
-            <a:avLst/>
-          </a:prstGeom>
-        </p:spPr>
-        <p:txBody>
-          <a:bodyPr anchorCtr="0" anchor="t" bIns="91425" lIns="91425" spcFirstLastPara="1" rIns="91425" wrap="square" tIns="91425">
-            <a:normAutofit fontScale="90000"/>
-          </a:bodyPr>
-          <a:lstStyle/>
-          <a:p>
-            <a:pPr indent="0" lvl="0" marL="0" rtl="0" algn="l">
-              <a:spcBef>
-                <a:spcPts val="0"/>
-              </a:spcBef>
-              <a:spcAft>
-                <a:spcPts val="0"/>
-              </a:spcAft>
-              <a:buNone/>
-            </a:pPr>
-            <a:r>
-              <a:rPr lang="pt-PT"/>
-              <a:t>Secure Document Format </a:t>
-            </a:r>
-            <a:endParaRPr/>
-          </a:p>
-          <a:p>
-            <a:pPr indent="0" lvl="0" marL="0" rtl="0" algn="l">
-              <a:spcBef>
-                <a:spcPts val="0"/>
-              </a:spcBef>
-              <a:spcAft>
-                <a:spcPts val="0"/>
-              </a:spcAft>
-              <a:buNone/>
-            </a:pPr>
-            <a:r>
-              <a:t/>
-            </a:r>
-            <a:endParaRPr/>
-          </a:p>
-        </p:txBody>
-      </p:sp>
-      <p:sp>
-        <p:nvSpPr>
-          <p:cNvPr id="74" name="Google Shape;74;p16"/>
           <p:cNvSpPr txBox="1"/>
           <p:nvPr>
             <p:ph idx="1" type="body"/>
@@ -7107,7 +6730,7 @@
             </a:r>
             <a:r>
               <a:rPr lang="pt-PT"/>
-              <a:t> a note is a folder with:</a:t>
+              <a:t> a note is a directory with:</a:t>
             </a:r>
             <a:endParaRPr/>
           </a:p>
@@ -7124,7 +6747,7 @@
             </a:pPr>
             <a:r>
               <a:rPr lang="pt-PT"/>
-              <a:t>encrypted note key in a file</a:t>
+              <a:t>The note key encrypted in a file</a:t>
             </a:r>
             <a:endParaRPr/>
           </a:p>
@@ -7141,7 +6764,7 @@
             </a:pPr>
             <a:r>
               <a:rPr lang="pt-PT"/>
-              <a:t>all </a:t>
+              <a:t>All </a:t>
             </a:r>
             <a:r>
               <a:rPr lang="pt-PT"/>
@@ -7165,7 +6788,7 @@
       </p:sp>
       <p:pic>
         <p:nvPicPr>
-          <p:cNvPr id="75" name="Google Shape;75;p16"/>
+          <p:cNvPr id="69" name="Google Shape;69;p15"/>
           <p:cNvPicPr preferRelativeResize="0"/>
           <p:nvPr/>
         </p:nvPicPr>
@@ -7193,7 +6816,7 @@
       </p:pic>
       <p:sp>
         <p:nvSpPr>
-          <p:cNvPr id="76" name="Google Shape;76;p16"/>
+          <p:cNvPr id="70" name="Google Shape;70;p15"/>
           <p:cNvSpPr txBox="1"/>
           <p:nvPr/>
         </p:nvSpPr>
@@ -7234,7 +6857,7 @@
                   <a:schemeClr val="lt2"/>
                 </a:solidFill>
               </a:rPr>
-              <a:t>Encrypted fields: title, note, hmac</a:t>
+              <a:t>Encrypted fields: title, note</a:t>
             </a:r>
             <a:endParaRPr sz="1000">
               <a:solidFill>
@@ -7298,12 +6921,12 @@
 </p:sld>
 </file>
 
-<file path=ppt/slides/slide5.xml><?xml version="1.0" encoding="utf-8"?>
+<file path=ppt/slides/slide4.xml><?xml version="1.0" encoding="utf-8"?>
 <p:sld xmlns:a="http://schemas.openxmlformats.org/drawingml/2006/main" xmlns:r="http://schemas.openxmlformats.org/officeDocument/2006/relationships" xmlns:mc="http://schemas.openxmlformats.org/markup-compatibility/2006" xmlns:mv="urn:schemas-microsoft-com:mac:vml" xmlns:p="http://schemas.openxmlformats.org/presentationml/2006/main" xmlns:c="http://schemas.openxmlformats.org/drawingml/2006/chart" xmlns:dgm="http://schemas.openxmlformats.org/drawingml/2006/diagram" xmlns:o="urn:schemas-microsoft-com:office:office" xmlns:v="urn:schemas-microsoft-com:vml" xmlns:pvml="urn:schemas-microsoft-com:office:powerpoint" xmlns:com="http://schemas.openxmlformats.org/drawingml/2006/compatibility" xmlns:p14="http://schemas.microsoft.com/office/powerpoint/2010/main" xmlns:p15="http://schemas.microsoft.com/office/powerpoint/2012/main" xmlns:ahyp="http://schemas.microsoft.com/office/drawing/2018/hyperlinkcolor">
   <p:cSld>
     <p:spTree>
       <p:nvGrpSpPr>
-        <p:cNvPr id="80" name="Shape 80"/>
+        <p:cNvPr id="74" name="Shape 74"/>
         <p:cNvGrpSpPr/>
         <p:nvPr/>
       </p:nvGrpSpPr>
@@ -7317,7 +6940,7 @@
       </p:grpSpPr>
       <p:sp>
         <p:nvSpPr>
-          <p:cNvPr id="81" name="Google Shape;81;p17"/>
+          <p:cNvPr id="75" name="Google Shape;75;p16"/>
           <p:cNvSpPr txBox="1"/>
           <p:nvPr>
             <p:ph type="title"/>
@@ -7349,7 +6972,7 @@
             </a:pPr>
             <a:r>
               <a:rPr lang="pt-PT"/>
-              <a:t>Security Architecture</a:t>
+              <a:t>Infrastructure Setup</a:t>
             </a:r>
             <a:endParaRPr/>
           </a:p>
@@ -7357,245 +6980,7 @@
       </p:sp>
       <p:sp>
         <p:nvSpPr>
-          <p:cNvPr id="82" name="Google Shape;82;p17"/>
-          <p:cNvSpPr txBox="1"/>
-          <p:nvPr>
-            <p:ph idx="1" type="body"/>
-          </p:nvPr>
-        </p:nvSpPr>
-        <p:spPr>
-          <a:xfrm>
-            <a:off x="311700" y="1152475"/>
-            <a:ext cx="8520600" cy="3416400"/>
-          </a:xfrm>
-          <a:prstGeom prst="rect">
-            <a:avLst/>
-          </a:prstGeom>
-        </p:spPr>
-        <p:txBody>
-          <a:bodyPr anchorCtr="0" anchor="t" bIns="91425" lIns="91425" spcFirstLastPara="1" rIns="91425" wrap="square" tIns="91425">
-            <a:normAutofit fontScale="55000" lnSpcReduction="20000"/>
-          </a:bodyPr>
-          <a:lstStyle/>
-          <a:p>
-            <a:pPr indent="0" lvl="0" marL="0" rtl="0" algn="l">
-              <a:spcBef>
-                <a:spcPts val="0"/>
-              </a:spcBef>
-              <a:spcAft>
-                <a:spcPts val="0"/>
-              </a:spcAft>
-              <a:buNone/>
-            </a:pPr>
-            <a:r>
-              <a:rPr b="1" lang="pt-PT" sz="3800"/>
-              <a:t>Key Management</a:t>
-            </a:r>
-            <a:endParaRPr b="1" sz="3800"/>
-          </a:p>
-          <a:p>
-            <a:pPr indent="-361315" lvl="0" marL="457200" rtl="0" algn="l">
-              <a:spcBef>
-                <a:spcPts val="1200"/>
-              </a:spcBef>
-              <a:spcAft>
-                <a:spcPts val="0"/>
-              </a:spcAft>
-              <a:buSzPct val="100000"/>
-              <a:buChar char="●"/>
-            </a:pPr>
-            <a:r>
-              <a:rPr lang="pt-PT" sz="3800"/>
-              <a:t>Master Key: Derived from user password (PBKDF2)</a:t>
-            </a:r>
-            <a:endParaRPr sz="3800"/>
-          </a:p>
-          <a:p>
-            <a:pPr indent="-361315" lvl="0" marL="457200" rtl="0" algn="l">
-              <a:spcBef>
-                <a:spcPts val="0"/>
-              </a:spcBef>
-              <a:spcAft>
-                <a:spcPts val="0"/>
-              </a:spcAft>
-              <a:buSzPct val="100000"/>
-              <a:buChar char="●"/>
-            </a:pPr>
-            <a:r>
-              <a:rPr lang="pt-PT" sz="3800"/>
-              <a:t>Note Keys: Unique symmetric key per note</a:t>
-            </a:r>
-            <a:endParaRPr sz="3800"/>
-          </a:p>
-          <a:p>
-            <a:pPr indent="-361315" lvl="0" marL="457200" rtl="0" algn="l">
-              <a:spcBef>
-                <a:spcPts val="0"/>
-              </a:spcBef>
-              <a:spcAft>
-                <a:spcPts val="0"/>
-              </a:spcAft>
-              <a:buSzPct val="100000"/>
-              <a:buChar char="●"/>
-            </a:pPr>
-            <a:r>
-              <a:rPr lang="pt-PT" sz="3800"/>
-              <a:t>User Keys: Public/private key pair for sharing</a:t>
-            </a:r>
-            <a:endParaRPr sz="3800"/>
-          </a:p>
-          <a:p>
-            <a:pPr indent="0" lvl="0" marL="0" rtl="0" algn="l">
-              <a:spcBef>
-                <a:spcPts val="1200"/>
-              </a:spcBef>
-              <a:spcAft>
-                <a:spcPts val="0"/>
-              </a:spcAft>
-              <a:buNone/>
-            </a:pPr>
-            <a:r>
-              <a:rPr b="1" lang="pt-PT" sz="3800"/>
-              <a:t>Authentication</a:t>
-            </a:r>
-            <a:endParaRPr b="1" sz="3800"/>
-          </a:p>
-          <a:p>
-            <a:pPr indent="-361315" lvl="0" marL="457200" rtl="0" algn="l">
-              <a:spcBef>
-                <a:spcPts val="1200"/>
-              </a:spcBef>
-              <a:spcAft>
-                <a:spcPts val="0"/>
-              </a:spcAft>
-              <a:buSzPct val="100000"/>
-              <a:buChar char="●"/>
-            </a:pPr>
-            <a:r>
-              <a:rPr lang="pt-PT" sz="3800"/>
-              <a:t>Digital signatures on all requests</a:t>
-            </a:r>
-            <a:endParaRPr sz="3800"/>
-          </a:p>
-          <a:p>
-            <a:pPr indent="-361315" lvl="0" marL="457200" rtl="0" algn="l">
-              <a:spcBef>
-                <a:spcPts val="0"/>
-              </a:spcBef>
-              <a:spcAft>
-                <a:spcPts val="0"/>
-              </a:spcAft>
-              <a:buSzPct val="100000"/>
-              <a:buChar char="●"/>
-            </a:pPr>
-            <a:r>
-              <a:rPr lang="pt-PT" sz="3800"/>
-              <a:t>Timestamp verification for replay protection</a:t>
-            </a:r>
-            <a:endParaRPr sz="3800"/>
-          </a:p>
-          <a:p>
-            <a:pPr indent="-361315" lvl="0" marL="457200" rtl="0" algn="l">
-              <a:spcBef>
-                <a:spcPts val="0"/>
-              </a:spcBef>
-              <a:spcAft>
-                <a:spcPts val="0"/>
-              </a:spcAft>
-              <a:buSzPct val="100000"/>
-              <a:buChar char="●"/>
-            </a:pPr>
-            <a:r>
-              <a:rPr lang="pt-PT" sz="3800"/>
-              <a:t>Public key infrastructure for identity verification</a:t>
-            </a:r>
-            <a:endParaRPr sz="3800"/>
-          </a:p>
-          <a:p>
-            <a:pPr indent="0" lvl="0" marL="0" rtl="0" algn="l">
-              <a:spcBef>
-                <a:spcPts val="1200"/>
-              </a:spcBef>
-              <a:spcAft>
-                <a:spcPts val="1200"/>
-              </a:spcAft>
-              <a:buNone/>
-            </a:pPr>
-            <a:r>
-              <a:t/>
-            </a:r>
-            <a:endParaRPr/>
-          </a:p>
-        </p:txBody>
-      </p:sp>
-    </p:spTree>
-  </p:cSld>
-  <p:clrMapOvr>
-    <a:masterClrMapping/>
-  </p:clrMapOvr>
-</p:sld>
-</file>
-
-<file path=ppt/slides/slide6.xml><?xml version="1.0" encoding="utf-8"?>
-<p:sld xmlns:a="http://schemas.openxmlformats.org/drawingml/2006/main" xmlns:r="http://schemas.openxmlformats.org/officeDocument/2006/relationships" xmlns:mc="http://schemas.openxmlformats.org/markup-compatibility/2006" xmlns:mv="urn:schemas-microsoft-com:mac:vml" xmlns:p="http://schemas.openxmlformats.org/presentationml/2006/main" xmlns:c="http://schemas.openxmlformats.org/drawingml/2006/chart" xmlns:dgm="http://schemas.openxmlformats.org/drawingml/2006/diagram" xmlns:o="urn:schemas-microsoft-com:office:office" xmlns:v="urn:schemas-microsoft-com:vml" xmlns:pvml="urn:schemas-microsoft-com:office:powerpoint" xmlns:com="http://schemas.openxmlformats.org/drawingml/2006/compatibility" xmlns:p14="http://schemas.microsoft.com/office/powerpoint/2010/main" xmlns:p15="http://schemas.microsoft.com/office/powerpoint/2012/main" xmlns:ahyp="http://schemas.microsoft.com/office/drawing/2018/hyperlinkcolor">
-  <p:cSld>
-    <p:spTree>
-      <p:nvGrpSpPr>
-        <p:cNvPr id="86" name="Shape 86"/>
-        <p:cNvGrpSpPr/>
-        <p:nvPr/>
-      </p:nvGrpSpPr>
-      <p:grpSpPr>
-        <a:xfrm>
-          <a:off x="0" y="0"/>
-          <a:ext cx="0" cy="0"/>
-          <a:chOff x="0" y="0"/>
-          <a:chExt cx="0" cy="0"/>
-        </a:xfrm>
-      </p:grpSpPr>
-      <p:sp>
-        <p:nvSpPr>
-          <p:cNvPr id="87" name="Google Shape;87;p18"/>
-          <p:cNvSpPr txBox="1"/>
-          <p:nvPr>
-            <p:ph type="title"/>
-          </p:nvPr>
-        </p:nvSpPr>
-        <p:spPr>
-          <a:xfrm>
-            <a:off x="311700" y="445025"/>
-            <a:ext cx="8520600" cy="572700"/>
-          </a:xfrm>
-          <a:prstGeom prst="rect">
-            <a:avLst/>
-          </a:prstGeom>
-        </p:spPr>
-        <p:txBody>
-          <a:bodyPr anchorCtr="0" anchor="t" bIns="91425" lIns="91425" spcFirstLastPara="1" rIns="91425" wrap="square" tIns="91425">
-            <a:normAutofit fontScale="90000"/>
-          </a:bodyPr>
-          <a:lstStyle/>
-          <a:p>
-            <a:pPr indent="0" lvl="0" marL="0" rtl="0" algn="l">
-              <a:spcBef>
-                <a:spcPts val="0"/>
-              </a:spcBef>
-              <a:spcAft>
-                <a:spcPts val="0"/>
-              </a:spcAft>
-              <a:buNone/>
-            </a:pPr>
-            <a:r>
-              <a:rPr lang="pt-PT"/>
-              <a:t>Infrastructure Setup</a:t>
-            </a:r>
-            <a:endParaRPr/>
-          </a:p>
-        </p:txBody>
-      </p:sp>
-      <p:sp>
-        <p:nvSpPr>
-          <p:cNvPr id="88" name="Google Shape;88;p18"/>
+          <p:cNvPr id="76" name="Google Shape;76;p16"/>
           <p:cNvSpPr txBox="1"/>
           <p:nvPr>
             <p:ph idx="1" type="body"/>
@@ -7661,11 +7046,11 @@
             </a:pPr>
             <a:r>
               <a:rPr lang="pt-PT" sz="3800"/>
-              <a:t>Application Server (192.168.1.228:5000)(</a:t>
+              <a:t>Application Server (192.168.1.228:5000) (</a:t>
             </a:r>
             <a:r>
               <a:rPr lang="pt-PT" sz="3800"/>
-              <a:t>192.168.56.15:27017)</a:t>
+              <a:t>192.168.56.15)</a:t>
             </a:r>
             <a:endParaRPr sz="3800"/>
           </a:p>
@@ -7819,7 +7204,7 @@
       </p:sp>
       <p:sp>
         <p:nvSpPr>
-          <p:cNvPr id="89" name="Google Shape;89;p18"/>
+          <p:cNvPr id="77" name="Google Shape;77;p16"/>
           <p:cNvSpPr txBox="1"/>
           <p:nvPr/>
         </p:nvSpPr>
@@ -7869,7 +7254,7 @@
       </p:sp>
       <p:pic>
         <p:nvPicPr>
-          <p:cNvPr id="90" name="Google Shape;90;p18"/>
+          <p:cNvPr id="78" name="Google Shape;78;p16"/>
           <p:cNvPicPr preferRelativeResize="0"/>
           <p:nvPr/>
         </p:nvPicPr>
@@ -7895,6 +7280,458 @@
           </a:ln>
         </p:spPr>
       </p:pic>
+    </p:spTree>
+  </p:cSld>
+  <p:clrMapOvr>
+    <a:masterClrMapping/>
+  </p:clrMapOvr>
+</p:sld>
+</file>
+
+<file path=ppt/slides/slide5.xml><?xml version="1.0" encoding="utf-8"?>
+<p:sld xmlns:a="http://schemas.openxmlformats.org/drawingml/2006/main" xmlns:r="http://schemas.openxmlformats.org/officeDocument/2006/relationships" xmlns:mc="http://schemas.openxmlformats.org/markup-compatibility/2006" xmlns:mv="urn:schemas-microsoft-com:mac:vml" xmlns:p="http://schemas.openxmlformats.org/presentationml/2006/main" xmlns:c="http://schemas.openxmlformats.org/drawingml/2006/chart" xmlns:dgm="http://schemas.openxmlformats.org/drawingml/2006/diagram" xmlns:o="urn:schemas-microsoft-com:office:office" xmlns:v="urn:schemas-microsoft-com:vml" xmlns:pvml="urn:schemas-microsoft-com:office:powerpoint" xmlns:com="http://schemas.openxmlformats.org/drawingml/2006/compatibility" xmlns:p14="http://schemas.microsoft.com/office/powerpoint/2010/main" xmlns:p15="http://schemas.microsoft.com/office/powerpoint/2012/main" xmlns:ahyp="http://schemas.microsoft.com/office/drawing/2018/hyperlinkcolor">
+  <p:cSld>
+    <p:spTree>
+      <p:nvGrpSpPr>
+        <p:cNvPr id="82" name="Shape 82"/>
+        <p:cNvGrpSpPr/>
+        <p:nvPr/>
+      </p:nvGrpSpPr>
+      <p:grpSpPr>
+        <a:xfrm>
+          <a:off x="0" y="0"/>
+          <a:ext cx="0" cy="0"/>
+          <a:chOff x="0" y="0"/>
+          <a:chExt cx="0" cy="0"/>
+        </a:xfrm>
+      </p:grpSpPr>
+      <p:sp>
+        <p:nvSpPr>
+          <p:cNvPr id="83" name="Google Shape;83;p17"/>
+          <p:cNvSpPr txBox="1"/>
+          <p:nvPr>
+            <p:ph type="title"/>
+          </p:nvPr>
+        </p:nvSpPr>
+        <p:spPr>
+          <a:xfrm>
+            <a:off x="311700" y="445025"/>
+            <a:ext cx="8520600" cy="572700"/>
+          </a:xfrm>
+          <a:prstGeom prst="rect">
+            <a:avLst/>
+          </a:prstGeom>
+        </p:spPr>
+        <p:txBody>
+          <a:bodyPr anchorCtr="0" anchor="t" bIns="91425" lIns="91425" spcFirstLastPara="1" rIns="91425" wrap="square" tIns="91425">
+            <a:normAutofit fontScale="90000"/>
+          </a:bodyPr>
+          <a:lstStyle/>
+          <a:p>
+            <a:pPr indent="0" lvl="0" marL="0" rtl="0" algn="l">
+              <a:spcBef>
+                <a:spcPts val="0"/>
+              </a:spcBef>
+              <a:spcAft>
+                <a:spcPts val="0"/>
+              </a:spcAft>
+              <a:buNone/>
+            </a:pPr>
+            <a:r>
+              <a:rPr lang="pt-PT"/>
+              <a:t>Security Architecture</a:t>
+            </a:r>
+            <a:endParaRPr/>
+          </a:p>
+        </p:txBody>
+      </p:sp>
+      <p:sp>
+        <p:nvSpPr>
+          <p:cNvPr id="84" name="Google Shape;84;p17"/>
+          <p:cNvSpPr txBox="1"/>
+          <p:nvPr>
+            <p:ph idx="1" type="body"/>
+          </p:nvPr>
+        </p:nvSpPr>
+        <p:spPr>
+          <a:xfrm>
+            <a:off x="311700" y="1152475"/>
+            <a:ext cx="8520600" cy="3416400"/>
+          </a:xfrm>
+          <a:prstGeom prst="rect">
+            <a:avLst/>
+          </a:prstGeom>
+        </p:spPr>
+        <p:txBody>
+          <a:bodyPr anchorCtr="0" anchor="t" bIns="91425" lIns="91425" spcFirstLastPara="1" rIns="91425" wrap="square" tIns="91425">
+            <a:normAutofit fontScale="55000" lnSpcReduction="10000"/>
+          </a:bodyPr>
+          <a:lstStyle/>
+          <a:p>
+            <a:pPr indent="0" lvl="0" marL="0" rtl="0" algn="l">
+              <a:spcBef>
+                <a:spcPts val="0"/>
+              </a:spcBef>
+              <a:spcAft>
+                <a:spcPts val="0"/>
+              </a:spcAft>
+              <a:buNone/>
+            </a:pPr>
+            <a:r>
+              <a:rPr b="1" lang="pt-PT" sz="3800"/>
+              <a:t>Keys</a:t>
+            </a:r>
+            <a:endParaRPr b="1" sz="3800"/>
+          </a:p>
+          <a:p>
+            <a:pPr indent="-361315" lvl="0" marL="457200" rtl="0" algn="l">
+              <a:spcBef>
+                <a:spcPts val="1200"/>
+              </a:spcBef>
+              <a:spcAft>
+                <a:spcPts val="0"/>
+              </a:spcAft>
+              <a:buSzPct val="100000"/>
+              <a:buChar char="●"/>
+            </a:pPr>
+            <a:r>
+              <a:rPr lang="pt-PT" sz="3800"/>
+              <a:t>Master Key (memory only): Derived from user password (PBKDF2)</a:t>
+            </a:r>
+            <a:endParaRPr sz="3800"/>
+          </a:p>
+          <a:p>
+            <a:pPr indent="-361315" lvl="0" marL="457200" rtl="0" algn="l">
+              <a:spcBef>
+                <a:spcPts val="0"/>
+              </a:spcBef>
+              <a:spcAft>
+                <a:spcPts val="0"/>
+              </a:spcAft>
+              <a:buSzPct val="100000"/>
+              <a:buChar char="●"/>
+            </a:pPr>
+            <a:r>
+              <a:rPr lang="pt-PT" sz="3800"/>
+              <a:t>Note Keys: Unique symmetric key per note</a:t>
+            </a:r>
+            <a:endParaRPr sz="3800"/>
+          </a:p>
+          <a:p>
+            <a:pPr indent="-361315" lvl="0" marL="457200" rtl="0" algn="l">
+              <a:spcBef>
+                <a:spcPts val="0"/>
+              </a:spcBef>
+              <a:spcAft>
+                <a:spcPts val="0"/>
+              </a:spcAft>
+              <a:buSzPct val="100000"/>
+              <a:buChar char="●"/>
+            </a:pPr>
+            <a:r>
+              <a:rPr lang="pt-PT" sz="3800"/>
+              <a:t>User Keys: Public/private key pair for sharin</a:t>
+            </a:r>
+            <a:r>
+              <a:rPr lang="pt-PT" sz="3800"/>
+              <a:t>g</a:t>
+            </a:r>
+            <a:endParaRPr sz="3800"/>
+          </a:p>
+          <a:p>
+            <a:pPr indent="0" lvl="0" marL="0" rtl="0" algn="l">
+              <a:spcBef>
+                <a:spcPts val="1200"/>
+              </a:spcBef>
+              <a:spcAft>
+                <a:spcPts val="0"/>
+              </a:spcAft>
+              <a:buNone/>
+            </a:pPr>
+            <a:r>
+              <a:rPr b="1" lang="pt-PT" sz="3800"/>
+              <a:t>Security</a:t>
+            </a:r>
+            <a:endParaRPr b="1" sz="3800"/>
+          </a:p>
+          <a:p>
+            <a:pPr indent="-361315" lvl="0" marL="457200" rtl="0" algn="l">
+              <a:spcBef>
+                <a:spcPts val="1200"/>
+              </a:spcBef>
+              <a:spcAft>
+                <a:spcPts val="0"/>
+              </a:spcAft>
+              <a:buSzPct val="100000"/>
+              <a:buChar char="●"/>
+            </a:pPr>
+            <a:r>
+              <a:rPr lang="pt-PT" sz="3800"/>
+              <a:t>Digital signatures on all requests</a:t>
+            </a:r>
+            <a:endParaRPr sz="3800"/>
+          </a:p>
+          <a:p>
+            <a:pPr indent="-361315" lvl="0" marL="457200" rtl="0" algn="l">
+              <a:spcBef>
+                <a:spcPts val="0"/>
+              </a:spcBef>
+              <a:spcAft>
+                <a:spcPts val="0"/>
+              </a:spcAft>
+              <a:buSzPct val="100000"/>
+              <a:buChar char="●"/>
+            </a:pPr>
+            <a:r>
+              <a:rPr lang="pt-PT" sz="3800"/>
+              <a:t>Timestamp verification for replay protection</a:t>
+            </a:r>
+            <a:endParaRPr sz="3800"/>
+          </a:p>
+          <a:p>
+            <a:pPr indent="0" lvl="0" marL="0" rtl="0" algn="l">
+              <a:spcBef>
+                <a:spcPts val="1200"/>
+              </a:spcBef>
+              <a:spcAft>
+                <a:spcPts val="1200"/>
+              </a:spcAft>
+              <a:buNone/>
+            </a:pPr>
+            <a:r>
+              <a:t/>
+            </a:r>
+            <a:endParaRPr/>
+          </a:p>
+        </p:txBody>
+      </p:sp>
+    </p:spTree>
+  </p:cSld>
+  <p:clrMapOvr>
+    <a:masterClrMapping/>
+  </p:clrMapOvr>
+</p:sld>
+</file>
+
+<file path=ppt/slides/slide6.xml><?xml version="1.0" encoding="utf-8"?>
+<p:sld xmlns:a="http://schemas.openxmlformats.org/drawingml/2006/main" xmlns:r="http://schemas.openxmlformats.org/officeDocument/2006/relationships" xmlns:mc="http://schemas.openxmlformats.org/markup-compatibility/2006" xmlns:mv="urn:schemas-microsoft-com:mac:vml" xmlns:p="http://schemas.openxmlformats.org/presentationml/2006/main" xmlns:c="http://schemas.openxmlformats.org/drawingml/2006/chart" xmlns:dgm="http://schemas.openxmlformats.org/drawingml/2006/diagram" xmlns:o="urn:schemas-microsoft-com:office:office" xmlns:v="urn:schemas-microsoft-com:vml" xmlns:pvml="urn:schemas-microsoft-com:office:powerpoint" xmlns:com="http://schemas.openxmlformats.org/drawingml/2006/compatibility" xmlns:p14="http://schemas.microsoft.com/office/powerpoint/2010/main" xmlns:p15="http://schemas.microsoft.com/office/powerpoint/2012/main" xmlns:ahyp="http://schemas.microsoft.com/office/drawing/2018/hyperlinkcolor">
+  <p:cSld>
+    <p:spTree>
+      <p:nvGrpSpPr>
+        <p:cNvPr id="88" name="Shape 88"/>
+        <p:cNvGrpSpPr/>
+        <p:nvPr/>
+      </p:nvGrpSpPr>
+      <p:grpSpPr>
+        <a:xfrm>
+          <a:off x="0" y="0"/>
+          <a:ext cx="0" cy="0"/>
+          <a:chOff x="0" y="0"/>
+          <a:chExt cx="0" cy="0"/>
+        </a:xfrm>
+      </p:grpSpPr>
+      <p:sp>
+        <p:nvSpPr>
+          <p:cNvPr id="89" name="Google Shape;89;p18"/>
+          <p:cNvSpPr txBox="1"/>
+          <p:nvPr>
+            <p:ph type="title"/>
+          </p:nvPr>
+        </p:nvSpPr>
+        <p:spPr>
+          <a:xfrm>
+            <a:off x="311700" y="445025"/>
+            <a:ext cx="8520600" cy="572700"/>
+          </a:xfrm>
+          <a:prstGeom prst="rect">
+            <a:avLst/>
+          </a:prstGeom>
+        </p:spPr>
+        <p:txBody>
+          <a:bodyPr anchorCtr="0" anchor="t" bIns="91425" lIns="91425" spcFirstLastPara="1" rIns="91425" wrap="square" tIns="91425">
+            <a:normAutofit fontScale="90000"/>
+          </a:bodyPr>
+          <a:lstStyle/>
+          <a:p>
+            <a:pPr indent="0" lvl="0" marL="0" rtl="0" algn="l">
+              <a:spcBef>
+                <a:spcPts val="0"/>
+              </a:spcBef>
+              <a:spcAft>
+                <a:spcPts val="0"/>
+              </a:spcAft>
+              <a:buNone/>
+            </a:pPr>
+            <a:r>
+              <a:rPr lang="pt-PT"/>
+              <a:t>Security Challenge Implementation</a:t>
+            </a:r>
+            <a:endParaRPr/>
+          </a:p>
+        </p:txBody>
+      </p:sp>
+      <p:sp>
+        <p:nvSpPr>
+          <p:cNvPr id="90" name="Google Shape;90;p18"/>
+          <p:cNvSpPr txBox="1"/>
+          <p:nvPr>
+            <p:ph idx="1" type="body"/>
+          </p:nvPr>
+        </p:nvSpPr>
+        <p:spPr>
+          <a:xfrm>
+            <a:off x="311700" y="1152475"/>
+            <a:ext cx="8520600" cy="3416400"/>
+          </a:xfrm>
+          <a:prstGeom prst="rect">
+            <a:avLst/>
+          </a:prstGeom>
+        </p:spPr>
+        <p:txBody>
+          <a:bodyPr anchorCtr="0" anchor="t" bIns="91425" lIns="91425" spcFirstLastPara="1" rIns="91425" wrap="square" tIns="91425">
+            <a:normAutofit lnSpcReduction="20000"/>
+          </a:bodyPr>
+          <a:lstStyle/>
+          <a:p>
+            <a:pPr indent="0" lvl="0" marL="0" rtl="0" algn="l">
+              <a:spcBef>
+                <a:spcPts val="0"/>
+              </a:spcBef>
+              <a:spcAft>
+                <a:spcPts val="0"/>
+              </a:spcAft>
+              <a:buNone/>
+            </a:pPr>
+            <a:r>
+              <a:rPr b="1" lang="pt-PT"/>
+              <a:t>Requirements</a:t>
+            </a:r>
+            <a:endParaRPr b="1"/>
+          </a:p>
+          <a:p>
+            <a:pPr indent="-336550" lvl="0" marL="457200" rtl="0" algn="l">
+              <a:spcBef>
+                <a:spcPts val="1200"/>
+              </a:spcBef>
+              <a:spcAft>
+                <a:spcPts val="0"/>
+              </a:spcAft>
+              <a:buSzPts val="1700"/>
+              <a:buChar char="●"/>
+            </a:pPr>
+            <a:r>
+              <a:rPr lang="pt-PT" sz="1700"/>
+              <a:t>[SRA1] </a:t>
+            </a:r>
+            <a:r>
+              <a:rPr lang="pt-PT" sz="1700"/>
+              <a:t>Authentication: Only authenticated and authorized users can see the content of the notes.</a:t>
+            </a:r>
+            <a:endParaRPr sz="1700"/>
+          </a:p>
+          <a:p>
+            <a:pPr indent="-342900" lvl="0" marL="457200" rtl="0" algn="l">
+              <a:spcBef>
+                <a:spcPts val="0"/>
+              </a:spcBef>
+              <a:spcAft>
+                <a:spcPts val="0"/>
+              </a:spcAft>
+              <a:buSzPts val="1800"/>
+              <a:buChar char="●"/>
+            </a:pPr>
+            <a:r>
+              <a:rPr lang="pt-PT"/>
+              <a:t>[SRA2] Integrity: Anyone that has access to the note can verify its integrity.</a:t>
+            </a:r>
+            <a:endParaRPr/>
+          </a:p>
+          <a:p>
+            <a:pPr indent="-342900" lvl="0" marL="457200" rtl="0" algn="l">
+              <a:spcBef>
+                <a:spcPts val="0"/>
+              </a:spcBef>
+              <a:spcAft>
+                <a:spcPts val="0"/>
+              </a:spcAft>
+              <a:buSzPts val="1800"/>
+              <a:buChar char="●"/>
+            </a:pPr>
+            <a:r>
+              <a:rPr lang="pt-PT"/>
+              <a:t>[SRA3] Integrity: It is possible to verify the integrity of the notes throughout their versions.</a:t>
+            </a:r>
+            <a:endParaRPr/>
+          </a:p>
+          <a:p>
+            <a:pPr indent="0" lvl="0" marL="0" rtl="0" algn="l">
+              <a:spcBef>
+                <a:spcPts val="1200"/>
+              </a:spcBef>
+              <a:spcAft>
+                <a:spcPts val="0"/>
+              </a:spcAft>
+              <a:buNone/>
+            </a:pPr>
+            <a:r>
+              <a:rPr b="1" lang="pt-PT"/>
+              <a:t>Solution</a:t>
+            </a:r>
+            <a:endParaRPr b="1"/>
+          </a:p>
+          <a:p>
+            <a:pPr indent="-342900" lvl="0" marL="457200" rtl="0" algn="l">
+              <a:spcBef>
+                <a:spcPts val="1200"/>
+              </a:spcBef>
+              <a:spcAft>
+                <a:spcPts val="0"/>
+              </a:spcAft>
+              <a:buSzPts val="1800"/>
+              <a:buChar char="●"/>
+            </a:pPr>
+            <a:r>
+              <a:rPr lang="pt-PT"/>
+              <a:t>End-to-end encryption with public key</a:t>
+            </a:r>
+            <a:endParaRPr/>
+          </a:p>
+          <a:p>
+            <a:pPr indent="-342900" lvl="0" marL="457200" rtl="0" algn="l">
+              <a:spcBef>
+                <a:spcPts val="0"/>
+              </a:spcBef>
+              <a:spcAft>
+                <a:spcPts val="0"/>
+              </a:spcAft>
+              <a:buSzPts val="1800"/>
+              <a:buChar char="●"/>
+            </a:pPr>
+            <a:r>
+              <a:rPr lang="pt-PT"/>
+              <a:t>Secure key distribution for collaboration</a:t>
+            </a:r>
+            <a:endParaRPr/>
+          </a:p>
+          <a:p>
+            <a:pPr indent="-342900" lvl="0" marL="457200" rtl="0" algn="l">
+              <a:spcBef>
+                <a:spcPts val="0"/>
+              </a:spcBef>
+              <a:spcAft>
+                <a:spcPts val="0"/>
+              </a:spcAft>
+              <a:buSzPts val="1800"/>
+              <a:buChar char="●"/>
+            </a:pPr>
+            <a:r>
+              <a:rPr lang="pt-PT"/>
+              <a:t>Version control on the server-side</a:t>
+            </a:r>
+            <a:endParaRPr/>
+          </a:p>
+        </p:txBody>
+      </p:sp>
     </p:spTree>
   </p:cSld>
   <p:clrMapOvr>
@@ -7954,7 +7791,7 @@
             </a:pPr>
             <a:r>
               <a:rPr lang="pt-PT"/>
-              <a:t>Security Challenge Implementation</a:t>
+              <a:t>Live demo…</a:t>
             </a:r>
             <a:endParaRPr/>
           </a:p>
@@ -7970,7 +7807,7 @@
         </p:nvSpPr>
         <p:spPr>
           <a:xfrm>
-            <a:off x="311700" y="1152475"/>
+            <a:off x="311700" y="1340825"/>
             <a:ext cx="8520600" cy="3416400"/>
           </a:xfrm>
           <a:prstGeom prst="rect">
@@ -7983,25 +7820,9 @@
           </a:bodyPr>
           <a:lstStyle/>
           <a:p>
-            <a:pPr indent="0" lvl="0" marL="0" rtl="0" algn="l">
-              <a:spcBef>
-                <a:spcPts val="0"/>
-              </a:spcBef>
-              <a:spcAft>
-                <a:spcPts val="0"/>
-              </a:spcAft>
-              <a:buNone/>
-            </a:pPr>
-            <a:r>
-              <a:rPr b="1" lang="pt-PT"/>
-              <a:t>Requirements</a:t>
-            </a:r>
-            <a:endParaRPr b="1"/>
-          </a:p>
-          <a:p>
             <a:pPr indent="-342900" lvl="0" marL="457200" rtl="0" algn="l">
               <a:spcBef>
-                <a:spcPts val="1200"/>
+                <a:spcPts val="0"/>
               </a:spcBef>
               <a:spcAft>
                 <a:spcPts val="0"/>
@@ -8011,7 +7832,7 @@
             </a:pPr>
             <a:r>
               <a:rPr lang="pt-PT"/>
-              <a:t>[SRA1] Authentication: Only authorized access</a:t>
+              <a:t>MasterKey KDF, KeyPair, Local File</a:t>
             </a:r>
             <a:endParaRPr/>
           </a:p>
@@ -8028,7 +7849,7 @@
             </a:pPr>
             <a:r>
               <a:rPr lang="pt-PT"/>
-              <a:t>[SRA2] Integrity: Verify note content</a:t>
+              <a:t>Create and edit note -&gt; push explain the request</a:t>
             </a:r>
             <a:endParaRPr/>
           </a:p>
@@ -8045,74 +7866,7 @@
             </a:pPr>
             <a:r>
               <a:rPr lang="pt-PT"/>
-              <a:t>[SRA3] Version Integrity: Track changes securely</a:t>
-            </a:r>
-            <a:endParaRPr/>
-          </a:p>
-          <a:p>
-            <a:pPr indent="0" lvl="0" marL="0" rtl="0" algn="l">
-              <a:spcBef>
-                <a:spcPts val="1200"/>
-              </a:spcBef>
-              <a:spcAft>
-                <a:spcPts val="0"/>
-              </a:spcAft>
-              <a:buNone/>
-            </a:pPr>
-            <a:r>
-              <a:rPr b="1" lang="pt-PT"/>
-              <a:t>Solution</a:t>
-            </a:r>
-            <a:endParaRPr b="1"/>
-          </a:p>
-          <a:p>
-            <a:pPr indent="-342900" lvl="0" marL="457200" rtl="0" algn="l">
-              <a:spcBef>
-                <a:spcPts val="1200"/>
-              </a:spcBef>
-              <a:spcAft>
-                <a:spcPts val="0"/>
-              </a:spcAft>
-              <a:buSzPts val="1800"/>
-              <a:buChar char="●"/>
-            </a:pPr>
-            <a:r>
-              <a:rPr lang="pt-PT"/>
-              <a:t>End-to-end encryption with public key infrastructure</a:t>
-            </a:r>
-            <a:endParaRPr/>
-          </a:p>
-          <a:p>
-            <a:pPr indent="-342900" lvl="0" marL="457200" rtl="0" algn="l">
-              <a:spcBef>
-                <a:spcPts val="0"/>
-              </a:spcBef>
-              <a:spcAft>
-                <a:spcPts val="0"/>
-              </a:spcAft>
-              <a:buSzPts val="1800"/>
-              <a:buChar char="●"/>
-            </a:pPr>
-            <a:r>
-              <a:rPr lang="pt-PT"/>
-              <a:t>Secure key distribution for collaboration</a:t>
-            </a:r>
-            <a:endParaRPr/>
-          </a:p>
-          <a:p>
-            <a:pPr indent="-342900" lvl="0" marL="457200" rtl="0" algn="l">
-              <a:spcBef>
-                <a:spcPts val="0"/>
-              </a:spcBef>
-              <a:spcAft>
-                <a:spcPts val="0"/>
-              </a:spcAft>
-              <a:buSzPts val="1800"/>
-              <a:buChar char="●"/>
-            </a:pPr>
-            <a:r>
-              <a:rPr lang="pt-PT"/>
-              <a:t>Version control with cryptographic verification</a:t>
+              <a:t>Key sharing</a:t>
             </a:r>
             <a:endParaRPr/>
           </a:p>
@@ -8177,7 +7931,7 @@
             </a:pPr>
             <a:r>
               <a:rPr lang="pt-PT"/>
-              <a:t>live demo…</a:t>
+              <a:t>Conclusions</a:t>
             </a:r>
             <a:endParaRPr/>
           </a:p>
@@ -8206,242 +7960,121 @@
           </a:bodyPr>
           <a:lstStyle/>
           <a:p>
+            <a:pPr indent="-342900" lvl="0" marL="457200" rtl="0" algn="l">
+              <a:spcBef>
+                <a:spcPts val="0"/>
+              </a:spcBef>
+              <a:spcAft>
+                <a:spcPts val="0"/>
+              </a:spcAft>
+              <a:buSzPts val="1800"/>
+              <a:buChar char="●"/>
+            </a:pPr>
+            <a:r>
+              <a:rPr b="1" lang="pt-PT"/>
+              <a:t>Main Results</a:t>
+            </a:r>
+            <a:endParaRPr b="1"/>
+          </a:p>
+          <a:p>
+            <a:pPr indent="-317500" lvl="1" marL="914400" rtl="0" algn="l">
+              <a:spcBef>
+                <a:spcPts val="0"/>
+              </a:spcBef>
+              <a:spcAft>
+                <a:spcPts val="0"/>
+              </a:spcAft>
+              <a:buSzPts val="1400"/>
+              <a:buChar char="○"/>
+            </a:pPr>
+            <a:r>
+              <a:rPr b="1" lang="pt-PT"/>
+              <a:t>Successfully achieved all the security goals outlined in the requirements.</a:t>
+            </a:r>
+            <a:endParaRPr b="1"/>
+          </a:p>
+          <a:p>
+            <a:pPr indent="-317500" lvl="1" marL="914400" rtl="0" algn="l">
+              <a:spcBef>
+                <a:spcPts val="0"/>
+              </a:spcBef>
+              <a:spcAft>
+                <a:spcPts val="0"/>
+              </a:spcAft>
+              <a:buSzPts val="1400"/>
+              <a:buChar char="○"/>
+            </a:pPr>
+            <a:r>
+              <a:rPr b="1" lang="pt-PT"/>
+              <a:t>Identified additional vulnerabilities that could be addressed in future iterations for enhanced security.</a:t>
+            </a:r>
+            <a:endParaRPr b="1"/>
+          </a:p>
+          <a:p>
             <a:pPr indent="0" lvl="0" marL="0" rtl="0" algn="l">
               <a:spcBef>
-                <a:spcPts val="0"/>
-              </a:spcBef>
-              <a:spcAft>
                 <a:spcPts val="1200"/>
+              </a:spcBef>
+              <a:spcAft>
+                <a:spcPts val="0"/>
               </a:spcAft>
               <a:buNone/>
             </a:pPr>
             <a:r>
               <a:t/>
             </a:r>
-            <a:endParaRPr/>
-          </a:p>
-        </p:txBody>
-      </p:sp>
-    </p:spTree>
-  </p:cSld>
-  <p:clrMapOvr>
-    <a:masterClrMapping/>
-  </p:clrMapOvr>
-</p:sld>
-</file>
-
-<file path=ppt/slides/slide9.xml><?xml version="1.0" encoding="utf-8"?>
-<p:sld xmlns:a="http://schemas.openxmlformats.org/drawingml/2006/main" xmlns:r="http://schemas.openxmlformats.org/officeDocument/2006/relationships" xmlns:mc="http://schemas.openxmlformats.org/markup-compatibility/2006" xmlns:mv="urn:schemas-microsoft-com:mac:vml" xmlns:p="http://schemas.openxmlformats.org/presentationml/2006/main" xmlns:c="http://schemas.openxmlformats.org/drawingml/2006/chart" xmlns:dgm="http://schemas.openxmlformats.org/drawingml/2006/diagram" xmlns:o="urn:schemas-microsoft-com:office:office" xmlns:v="urn:schemas-microsoft-com:vml" xmlns:pvml="urn:schemas-microsoft-com:office:powerpoint" xmlns:com="http://schemas.openxmlformats.org/drawingml/2006/compatibility" xmlns:p14="http://schemas.microsoft.com/office/powerpoint/2010/main" xmlns:p15="http://schemas.microsoft.com/office/powerpoint/2012/main" xmlns:ahyp="http://schemas.microsoft.com/office/drawing/2018/hyperlinkcolor">
-  <p:cSld>
-    <p:spTree>
-      <p:nvGrpSpPr>
-        <p:cNvPr id="106" name="Shape 106"/>
-        <p:cNvGrpSpPr/>
-        <p:nvPr/>
-      </p:nvGrpSpPr>
-      <p:grpSpPr>
-        <a:xfrm>
-          <a:off x="0" y="0"/>
-          <a:ext cx="0" cy="0"/>
-          <a:chOff x="0" y="0"/>
-          <a:chExt cx="0" cy="0"/>
-        </a:xfrm>
-      </p:grpSpPr>
-      <p:sp>
-        <p:nvSpPr>
-          <p:cNvPr id="107" name="Google Shape;107;p21"/>
-          <p:cNvSpPr txBox="1"/>
-          <p:nvPr>
-            <p:ph type="title"/>
-          </p:nvPr>
-        </p:nvSpPr>
-        <p:spPr>
-          <a:xfrm>
-            <a:off x="311700" y="445025"/>
-            <a:ext cx="8520600" cy="572700"/>
-          </a:xfrm>
-          <a:prstGeom prst="rect">
-            <a:avLst/>
-          </a:prstGeom>
-        </p:spPr>
-        <p:txBody>
-          <a:bodyPr anchorCtr="0" anchor="t" bIns="91425" lIns="91425" spcFirstLastPara="1" rIns="91425" wrap="square" tIns="91425">
-            <a:normAutofit fontScale="90000"/>
-          </a:bodyPr>
-          <a:lstStyle/>
-          <a:p>
-            <a:pPr indent="0" lvl="0" marL="0" rtl="0" algn="l">
-              <a:spcBef>
-                <a:spcPts val="0"/>
-              </a:spcBef>
-              <a:spcAft>
-                <a:spcPts val="0"/>
-              </a:spcAft>
-              <a:buNone/>
-            </a:pPr>
-            <a:r>
-              <a:rPr lang="pt-PT"/>
-              <a:t>Conclusions</a:t>
-            </a:r>
-            <a:endParaRPr/>
-          </a:p>
-        </p:txBody>
-      </p:sp>
-      <p:sp>
-        <p:nvSpPr>
-          <p:cNvPr id="108" name="Google Shape;108;p21"/>
-          <p:cNvSpPr txBox="1"/>
-          <p:nvPr>
-            <p:ph idx="1" type="body"/>
-          </p:nvPr>
-        </p:nvSpPr>
-        <p:spPr>
-          <a:xfrm>
-            <a:off x="311700" y="1152475"/>
-            <a:ext cx="8520600" cy="3416400"/>
-          </a:xfrm>
-          <a:prstGeom prst="rect">
-            <a:avLst/>
-          </a:prstGeom>
-        </p:spPr>
-        <p:txBody>
-          <a:bodyPr anchorCtr="0" anchor="t" bIns="91425" lIns="91425" spcFirstLastPara="1" rIns="91425" wrap="square" tIns="91425">
-            <a:normAutofit/>
-          </a:bodyPr>
-          <a:lstStyle/>
-          <a:p>
-            <a:pPr indent="0" lvl="0" marL="0" rtl="0" algn="l">
-              <a:spcBef>
-                <a:spcPts val="0"/>
-              </a:spcBef>
-              <a:spcAft>
-                <a:spcPts val="0"/>
-              </a:spcAft>
-              <a:buNone/>
+            <a:endParaRPr b="1"/>
+          </a:p>
+          <a:p>
+            <a:pPr indent="-342900" lvl="0" marL="457200" rtl="0" algn="l">
+              <a:spcBef>
+                <a:spcPts val="1200"/>
+              </a:spcBef>
+              <a:spcAft>
+                <a:spcPts val="0"/>
+              </a:spcAft>
+              <a:buSzPts val="1800"/>
+              <a:buChar char="●"/>
             </a:pPr>
             <a:r>
               <a:rPr b="1" lang="pt-PT"/>
-              <a:t>Achievements</a:t>
+              <a:t>Key Learnings</a:t>
             </a:r>
             <a:endParaRPr b="1"/>
           </a:p>
           <a:p>
-            <a:pPr indent="-342900" lvl="0" marL="457200" rtl="0" algn="l">
-              <a:spcBef>
-                <a:spcPts val="1200"/>
-              </a:spcBef>
-              <a:spcAft>
-                <a:spcPts val="0"/>
-              </a:spcAft>
-              <a:buSzPts val="1800"/>
-              <a:buChar char="●"/>
-            </a:pPr>
-            <a:r>
-              <a:rPr lang="pt-PT"/>
-              <a:t>Secure local-first architecture</a:t>
-            </a:r>
-            <a:endParaRPr/>
-          </a:p>
-          <a:p>
-            <a:pPr indent="-342900" lvl="0" marL="457200" rtl="0" algn="l">
-              <a:spcBef>
-                <a:spcPts val="0"/>
-              </a:spcBef>
-              <a:spcAft>
-                <a:spcPts val="0"/>
-              </a:spcAft>
-              <a:buSzPts val="1800"/>
-              <a:buChar char="●"/>
-            </a:pPr>
-            <a:r>
-              <a:rPr lang="pt-PT"/>
-              <a:t>Strong encryption and integrity protection</a:t>
-            </a:r>
-            <a:endParaRPr/>
-          </a:p>
-          <a:p>
-            <a:pPr indent="-342900" lvl="0" marL="457200" rtl="0" algn="l">
-              <a:spcBef>
-                <a:spcPts val="0"/>
-              </a:spcBef>
-              <a:spcAft>
-                <a:spcPts val="0"/>
-              </a:spcAft>
-              <a:buSzPts val="1800"/>
-              <a:buChar char="●"/>
-            </a:pPr>
-            <a:r>
-              <a:rPr lang="pt-PT"/>
-              <a:t>Secure collaboration features</a:t>
-            </a:r>
-            <a:endParaRPr/>
-          </a:p>
-          <a:p>
-            <a:pPr indent="-342900" lvl="0" marL="457200" rtl="0" algn="l">
-              <a:spcBef>
-                <a:spcPts val="0"/>
-              </a:spcBef>
-              <a:spcAft>
-                <a:spcPts val="0"/>
-              </a:spcAft>
-              <a:buSzPts val="1800"/>
-              <a:buChar char="●"/>
-            </a:pPr>
-            <a:r>
-              <a:rPr lang="pt-PT"/>
-              <a:t>Comprehensive access controls</a:t>
-            </a:r>
-            <a:endParaRPr/>
-          </a:p>
-          <a:p>
-            <a:pPr indent="0" lvl="0" marL="0" rtl="0" algn="l">
-              <a:spcBef>
-                <a:spcPts val="1200"/>
-              </a:spcBef>
-              <a:spcAft>
-                <a:spcPts val="0"/>
-              </a:spcAft>
-              <a:buNone/>
+            <a:pPr indent="-317500" lvl="1" marL="914400" rtl="0" algn="l">
+              <a:spcBef>
+                <a:spcPts val="0"/>
+              </a:spcBef>
+              <a:spcAft>
+                <a:spcPts val="0"/>
+              </a:spcAft>
+              <a:buSzPts val="1400"/>
+              <a:buChar char="○"/>
             </a:pPr>
             <a:r>
               <a:rPr b="1" lang="pt-PT"/>
-              <a:t>Future Enhancements</a:t>
+              <a:t>Gained in-depth knowledge of encryption techniques and their implementation in Python.</a:t>
             </a:r>
             <a:endParaRPr b="1"/>
           </a:p>
           <a:p>
-            <a:pPr indent="-342900" lvl="0" marL="457200" rtl="0" algn="l">
-              <a:spcBef>
-                <a:spcPts val="1200"/>
-              </a:spcBef>
-              <a:spcAft>
-                <a:spcPts val="0"/>
-              </a:spcAft>
-              <a:buSzPts val="1800"/>
-              <a:buChar char="●"/>
+            <a:pPr indent="-317500" lvl="1" marL="914400" rtl="0" algn="l">
+              <a:spcBef>
+                <a:spcPts val="0"/>
+              </a:spcBef>
+              <a:spcAft>
+                <a:spcPts val="0"/>
+              </a:spcAft>
+              <a:buSzPts val="1400"/>
+              <a:buChar char="○"/>
             </a:pPr>
             <a:r>
-              <a:rPr lang="pt-PT"/>
-              <a:t>Key rotation mechanism</a:t>
+              <a:rPr b="1" lang="pt-PT"/>
+              <a:t>Explored the principles and challenges of building local-first applications, emphasizing user control and offline functionality.</a:t>
             </a:r>
-            <a:endParaRPr/>
-          </a:p>
-          <a:p>
-            <a:pPr indent="-342900" lvl="0" marL="457200" rtl="0" algn="l">
-              <a:spcBef>
-                <a:spcPts val="0"/>
-              </a:spcBef>
-              <a:spcAft>
-                <a:spcPts val="0"/>
-              </a:spcAft>
-              <a:buSzPts val="1800"/>
-              <a:buChar char="●"/>
-            </a:pPr>
-            <a:r>
-              <a:rPr lang="pt-PT"/>
-              <a:t>Advanced access control features</a:t>
-            </a:r>
-            <a:endParaRPr/>
+            <a:endParaRPr b="1"/>
           </a:p>
         </p:txBody>
       </p:sp>
@@ -8454,6 +8087,285 @@
 </file>
 
 <file path=ppt/theme/theme1.xml><?xml version="1.0" encoding="utf-8"?>
+<a:theme xmlns:a="http://schemas.openxmlformats.org/drawingml/2006/main" xmlns:r="http://schemas.openxmlformats.org/officeDocument/2006/relationships">
+  <a:themeElements>
+    <a:clrScheme name="Default">
+      <a:dk1>
+        <a:srgbClr val="000000"/>
+      </a:dk1>
+      <a:lt1>
+        <a:srgbClr val="FFFFFF"/>
+      </a:lt1>
+      <a:dk2>
+        <a:srgbClr val="158158"/>
+      </a:dk2>
+      <a:lt2>
+        <a:srgbClr val="F3F3F3"/>
+      </a:lt2>
+      <a:accent1>
+        <a:srgbClr val="058DC7"/>
+      </a:accent1>
+      <a:accent2>
+        <a:srgbClr val="50B432"/>
+      </a:accent2>
+      <a:accent3>
+        <a:srgbClr val="ED561B"/>
+      </a:accent3>
+      <a:accent4>
+        <a:srgbClr val="EDEF00"/>
+      </a:accent4>
+      <a:accent5>
+        <a:srgbClr val="24CBE5"/>
+      </a:accent5>
+      <a:accent6>
+        <a:srgbClr val="64E572"/>
+      </a:accent6>
+      <a:hlink>
+        <a:srgbClr val="2200CC"/>
+      </a:hlink>
+      <a:folHlink>
+        <a:srgbClr val="551A8B"/>
+      </a:folHlink>
+    </a:clrScheme>
+    <a:fontScheme name="Office">
+      <a:majorFont>
+        <a:latin typeface="Arial"/>
+        <a:ea typeface=""/>
+        <a:cs typeface=""/>
+        <a:font script="Jpan" typeface="ＭＳ Ｐゴシック"/>
+        <a:font script="Hang" typeface="맑은 고딕"/>
+        <a:font script="Hans" typeface="宋体"/>
+        <a:font script="Hant" typeface="新細明體"/>
+        <a:font script="Arab" typeface="Times New Roman"/>
+        <a:font script="Hebr" typeface="Times New Roman"/>
+        <a:font script="Thai" typeface="Angsana New"/>
+        <a:font script="Ethi" typeface="Nyala"/>
+        <a:font script="Beng" typeface="Vrinda"/>
+        <a:font script="Gujr" typeface="Shruti"/>
+        <a:font script="Khmr" typeface="MoolBoran"/>
+        <a:font script="Knda" typeface="Tunga"/>
+        <a:font script="Guru" typeface="Raavi"/>
+        <a:font script="Cans" typeface="Euphemia"/>
+        <a:font script="Cher" typeface="Plantagenet Cherokee"/>
+        <a:font script="Yiii" typeface="Microsoft Yi Baiti"/>
+        <a:font script="Tibt" typeface="Microsoft Himalaya"/>
+        <a:font script="Thaa" typeface="MV Boli"/>
+        <a:font script="Deva" typeface="Mangal"/>
+        <a:font script="Telu" typeface="Gautami"/>
+        <a:font script="Taml" typeface="Latha"/>
+        <a:font script="Syrc" typeface="Estrangelo Edessa"/>
+        <a:font script="Orya" typeface="Kalinga"/>
+        <a:font script="Mlym" typeface="Kartika"/>
+        <a:font script="Laoo" typeface="DokChampa"/>
+        <a:font script="Sinh" typeface="Iskoola Pota"/>
+        <a:font script="Mong" typeface="Mongolian Baiti"/>
+        <a:font script="Viet" typeface="Times New Roman"/>
+        <a:font script="Uigh" typeface="Microsoft Uighur"/>
+        <a:font script="Geor" typeface="Sylfaen"/>
+      </a:majorFont>
+      <a:minorFont>
+        <a:latin typeface="Arial"/>
+        <a:ea typeface=""/>
+        <a:cs typeface=""/>
+        <a:font script="Jpan" typeface="ＭＳ Ｐゴシック"/>
+        <a:font script="Hang" typeface="맑은 고딕"/>
+        <a:font script="Hans" typeface="宋体"/>
+        <a:font script="Hant" typeface="新細明體"/>
+        <a:font script="Arab" typeface="Arial"/>
+        <a:font script="Hebr" typeface="Arial"/>
+        <a:font script="Thai" typeface="Cordia New"/>
+        <a:font script="Ethi" typeface="Nyala"/>
+        <a:font script="Beng" typeface="Vrinda"/>
+        <a:font script="Gujr" typeface="Shruti"/>
+        <a:font script="Khmr" typeface="DaunPenh"/>
+        <a:font script="Knda" typeface="Tunga"/>
+        <a:font script="Guru" typeface="Raavi"/>
+        <a:font script="Cans" typeface="Euphemia"/>
+        <a:font script="Cher" typeface="Plantagenet Cherokee"/>
+        <a:font script="Yiii" typeface="Microsoft Yi Baiti"/>
+        <a:font script="Tibt" typeface="Microsoft Himalaya"/>
+        <a:font script="Thaa" typeface="MV Boli"/>
+        <a:font script="Deva" typeface="Mangal"/>
+        <a:font script="Telu" typeface="Gautami"/>
+        <a:font script="Taml" typeface="Latha"/>
+        <a:font script="Syrc" typeface="Estrangelo Edessa"/>
+        <a:font script="Orya" typeface="Kalinga"/>
+        <a:font script="Mlym" typeface="Kartika"/>
+        <a:font script="Laoo" typeface="DokChampa"/>
+        <a:font script="Sinh" typeface="Iskoola Pota"/>
+        <a:font script="Mong" typeface="Mongolian Baiti"/>
+        <a:font script="Viet" typeface="Arial"/>
+        <a:font script="Uigh" typeface="Microsoft Uighur"/>
+        <a:font script="Geor" typeface="Sylfaen"/>
+      </a:minorFont>
+    </a:fontScheme>
+    <a:fmtScheme name="Office">
+      <a:fillStyleLst>
+        <a:solidFill>
+          <a:schemeClr val="phClr"/>
+        </a:solidFill>
+        <a:gradFill rotWithShape="1">
+          <a:gsLst>
+            <a:gs pos="0">
+              <a:schemeClr val="phClr">
+                <a:tint val="50000"/>
+                <a:satMod val="300000"/>
+              </a:schemeClr>
+            </a:gs>
+            <a:gs pos="35000">
+              <a:schemeClr val="phClr">
+                <a:tint val="37000"/>
+                <a:satMod val="300000"/>
+              </a:schemeClr>
+            </a:gs>
+            <a:gs pos="100000">
+              <a:schemeClr val="phClr">
+                <a:tint val="15000"/>
+                <a:satMod val="350000"/>
+              </a:schemeClr>
+            </a:gs>
+          </a:gsLst>
+          <a:lin ang="16200000" scaled="1"/>
+        </a:gradFill>
+        <a:gradFill rotWithShape="1">
+          <a:gsLst>
+            <a:gs pos="0">
+              <a:schemeClr val="phClr">
+                <a:tint val="100000"/>
+                <a:shade val="100000"/>
+                <a:satMod val="130000"/>
+              </a:schemeClr>
+            </a:gs>
+            <a:gs pos="100000">
+              <a:schemeClr val="phClr">
+                <a:tint val="50000"/>
+                <a:shade val="100000"/>
+                <a:satMod val="350000"/>
+              </a:schemeClr>
+            </a:gs>
+          </a:gsLst>
+          <a:lin ang="16200000" scaled="0"/>
+        </a:gradFill>
+      </a:fillStyleLst>
+      <a:lnStyleLst>
+        <a:ln w="9525" cap="flat" cmpd="sng" algn="ctr">
+          <a:solidFill>
+            <a:schemeClr val="phClr">
+              <a:shade val="95000"/>
+              <a:satMod val="105000"/>
+            </a:schemeClr>
+          </a:solidFill>
+          <a:prstDash val="solid"/>
+        </a:ln>
+        <a:ln w="25400" cap="flat" cmpd="sng" algn="ctr">
+          <a:solidFill>
+            <a:schemeClr val="phClr"/>
+          </a:solidFill>
+          <a:prstDash val="solid"/>
+        </a:ln>
+        <a:ln w="38100" cap="flat" cmpd="sng" algn="ctr">
+          <a:solidFill>
+            <a:schemeClr val="phClr"/>
+          </a:solidFill>
+          <a:prstDash val="solid"/>
+        </a:ln>
+      </a:lnStyleLst>
+      <a:effectStyleLst>
+        <a:effectStyle>
+          <a:effectLst>
+            <a:outerShdw blurRad="40000" dist="20000" dir="5400000" rotWithShape="0">
+              <a:srgbClr val="000000">
+                <a:alpha val="38000"/>
+              </a:srgbClr>
+            </a:outerShdw>
+          </a:effectLst>
+        </a:effectStyle>
+        <a:effectStyle>
+          <a:effectLst>
+            <a:outerShdw blurRad="40000" dist="23000" dir="5400000" rotWithShape="0">
+              <a:srgbClr val="000000">
+                <a:alpha val="35000"/>
+              </a:srgbClr>
+            </a:outerShdw>
+          </a:effectLst>
+        </a:effectStyle>
+        <a:effectStyle>
+          <a:effectLst>
+            <a:outerShdw blurRad="40000" dist="23000" dir="5400000" rotWithShape="0">
+              <a:srgbClr val="000000">
+                <a:alpha val="35000"/>
+              </a:srgbClr>
+            </a:outerShdw>
+          </a:effectLst>
+          <a:scene3d>
+            <a:camera prst="orthographicFront">
+              <a:rot lat="0" lon="0" rev="0"/>
+            </a:camera>
+            <a:lightRig rig="threePt" dir="t">
+              <a:rot lat="0" lon="0" rev="1200000"/>
+            </a:lightRig>
+          </a:scene3d>
+          <a:sp3d>
+            <a:bevelT w="63500" h="25400"/>
+          </a:sp3d>
+        </a:effectStyle>
+      </a:effectStyleLst>
+      <a:bgFillStyleLst>
+        <a:solidFill>
+          <a:schemeClr val="phClr"/>
+        </a:solidFill>
+        <a:gradFill rotWithShape="1">
+          <a:gsLst>
+            <a:gs pos="0">
+              <a:schemeClr val="phClr">
+                <a:tint val="40000"/>
+                <a:satMod val="350000"/>
+              </a:schemeClr>
+            </a:gs>
+            <a:gs pos="40000">
+              <a:schemeClr val="phClr">
+                <a:tint val="45000"/>
+                <a:shade val="99000"/>
+                <a:satMod val="350000"/>
+              </a:schemeClr>
+            </a:gs>
+            <a:gs pos="100000">
+              <a:schemeClr val="phClr">
+                <a:shade val="20000"/>
+                <a:satMod val="255000"/>
+              </a:schemeClr>
+            </a:gs>
+          </a:gsLst>
+          <a:path path="circle">
+            <a:fillToRect l="50000" t="-80000" r="50000" b="180000"/>
+          </a:path>
+        </a:gradFill>
+        <a:gradFill rotWithShape="1">
+          <a:gsLst>
+            <a:gs pos="0">
+              <a:schemeClr val="phClr">
+                <a:tint val="80000"/>
+                <a:satMod val="300000"/>
+              </a:schemeClr>
+            </a:gs>
+            <a:gs pos="100000">
+              <a:schemeClr val="phClr">
+                <a:shade val="30000"/>
+                <a:satMod val="200000"/>
+              </a:schemeClr>
+            </a:gs>
+          </a:gsLst>
+          <a:path path="circle">
+            <a:fillToRect l="50000" t="50000" r="50000" b="50000"/>
+          </a:path>
+        </a:gradFill>
+      </a:bgFillStyleLst>
+    </a:fmtScheme>
+  </a:themeElements>
+</a:theme>
+</file>
+
+<file path=ppt/theme/theme2.xml><?xml version="1.0" encoding="utf-8"?>
 <a:theme xmlns:a="http://schemas.openxmlformats.org/drawingml/2006/main" xmlns:r="http://schemas.openxmlformats.org/officeDocument/2006/relationships" name="Simple Dark">
   <a:themeElements>
     <a:clrScheme name="Simple Dark">
@@ -8730,283 +8642,4 @@
     </a:fmtScheme>
   </a:themeElements>
 </a:theme>
-</file>
-
-<file path=ppt/theme/theme2.xml><?xml version="1.0" encoding="utf-8"?>
-<a:theme xmlns:a="http://schemas.openxmlformats.org/drawingml/2006/main" xmlns:r="http://schemas.openxmlformats.org/officeDocument/2006/relationships">
-  <a:themeElements>
-    <a:clrScheme name="Default">
-      <a:dk1>
-        <a:srgbClr val="000000"/>
-      </a:dk1>
-      <a:lt1>
-        <a:srgbClr val="FFFFFF"/>
-      </a:lt1>
-      <a:dk2>
-        <a:srgbClr val="158158"/>
-      </a:dk2>
-      <a:lt2>
-        <a:srgbClr val="F3F3F3"/>
-      </a:lt2>
-      <a:accent1>
-        <a:srgbClr val="058DC7"/>
-      </a:accent1>
-      <a:accent2>
-        <a:srgbClr val="50B432"/>
-      </a:accent2>
-      <a:accent3>
-        <a:srgbClr val="ED561B"/>
-      </a:accent3>
-      <a:accent4>
-        <a:srgbClr val="EDEF00"/>
-      </a:accent4>
-      <a:accent5>
-        <a:srgbClr val="24CBE5"/>
-      </a:accent5>
-      <a:accent6>
-        <a:srgbClr val="64E572"/>
-      </a:accent6>
-      <a:hlink>
-        <a:srgbClr val="2200CC"/>
-      </a:hlink>
-      <a:folHlink>
-        <a:srgbClr val="551A8B"/>
-      </a:folHlink>
-    </a:clrScheme>
-    <a:fontScheme name="Office">
-      <a:majorFont>
-        <a:latin typeface="Arial"/>
-        <a:ea typeface=""/>
-        <a:cs typeface=""/>
-        <a:font script="Jpan" typeface="ＭＳ Ｐゴシック"/>
-        <a:font script="Hang" typeface="맑은 고딕"/>
-        <a:font script="Hans" typeface="宋体"/>
-        <a:font script="Hant" typeface="新細明體"/>
-        <a:font script="Arab" typeface="Times New Roman"/>
-        <a:font script="Hebr" typeface="Times New Roman"/>
-        <a:font script="Thai" typeface="Angsana New"/>
-        <a:font script="Ethi" typeface="Nyala"/>
-        <a:font script="Beng" typeface="Vrinda"/>
-        <a:font script="Gujr" typeface="Shruti"/>
-        <a:font script="Khmr" typeface="MoolBoran"/>
-        <a:font script="Knda" typeface="Tunga"/>
-        <a:font script="Guru" typeface="Raavi"/>
-        <a:font script="Cans" typeface="Euphemia"/>
-        <a:font script="Cher" typeface="Plantagenet Cherokee"/>
-        <a:font script="Yiii" typeface="Microsoft Yi Baiti"/>
-        <a:font script="Tibt" typeface="Microsoft Himalaya"/>
-        <a:font script="Thaa" typeface="MV Boli"/>
-        <a:font script="Deva" typeface="Mangal"/>
-        <a:font script="Telu" typeface="Gautami"/>
-        <a:font script="Taml" typeface="Latha"/>
-        <a:font script="Syrc" typeface="Estrangelo Edessa"/>
-        <a:font script="Orya" typeface="Kalinga"/>
-        <a:font script="Mlym" typeface="Kartika"/>
-        <a:font script="Laoo" typeface="DokChampa"/>
-        <a:font script="Sinh" typeface="Iskoola Pota"/>
-        <a:font script="Mong" typeface="Mongolian Baiti"/>
-        <a:font script="Viet" typeface="Times New Roman"/>
-        <a:font script="Uigh" typeface="Microsoft Uighur"/>
-        <a:font script="Geor" typeface="Sylfaen"/>
-      </a:majorFont>
-      <a:minorFont>
-        <a:latin typeface="Arial"/>
-        <a:ea typeface=""/>
-        <a:cs typeface=""/>
-        <a:font script="Jpan" typeface="ＭＳ Ｐゴシック"/>
-        <a:font script="Hang" typeface="맑은 고딕"/>
-        <a:font script="Hans" typeface="宋体"/>
-        <a:font script="Hant" typeface="新細明體"/>
-        <a:font script="Arab" typeface="Arial"/>
-        <a:font script="Hebr" typeface="Arial"/>
-        <a:font script="Thai" typeface="Cordia New"/>
-        <a:font script="Ethi" typeface="Nyala"/>
-        <a:font script="Beng" typeface="Vrinda"/>
-        <a:font script="Gujr" typeface="Shruti"/>
-        <a:font script="Khmr" typeface="DaunPenh"/>
-        <a:font script="Knda" typeface="Tunga"/>
-        <a:font script="Guru" typeface="Raavi"/>
-        <a:font script="Cans" typeface="Euphemia"/>
-        <a:font script="Cher" typeface="Plantagenet Cherokee"/>
-        <a:font script="Yiii" typeface="Microsoft Yi Baiti"/>
-        <a:font script="Tibt" typeface="Microsoft Himalaya"/>
-        <a:font script="Thaa" typeface="MV Boli"/>
-        <a:font script="Deva" typeface="Mangal"/>
-        <a:font script="Telu" typeface="Gautami"/>
-        <a:font script="Taml" typeface="Latha"/>
-        <a:font script="Syrc" typeface="Estrangelo Edessa"/>
-        <a:font script="Orya" typeface="Kalinga"/>
-        <a:font script="Mlym" typeface="Kartika"/>
-        <a:font script="Laoo" typeface="DokChampa"/>
-        <a:font script="Sinh" typeface="Iskoola Pota"/>
-        <a:font script="Mong" typeface="Mongolian Baiti"/>
-        <a:font script="Viet" typeface="Arial"/>
-        <a:font script="Uigh" typeface="Microsoft Uighur"/>
-        <a:font script="Geor" typeface="Sylfaen"/>
-      </a:minorFont>
-    </a:fontScheme>
-    <a:fmtScheme name="Office">
-      <a:fillStyleLst>
-        <a:solidFill>
-          <a:schemeClr val="phClr"/>
-        </a:solidFill>
-        <a:gradFill rotWithShape="1">
-          <a:gsLst>
-            <a:gs pos="0">
-              <a:schemeClr val="phClr">
-                <a:tint val="50000"/>
-                <a:satMod val="300000"/>
-              </a:schemeClr>
-            </a:gs>
-            <a:gs pos="35000">
-              <a:schemeClr val="phClr">
-                <a:tint val="37000"/>
-                <a:satMod val="300000"/>
-              </a:schemeClr>
-            </a:gs>
-            <a:gs pos="100000">
-              <a:schemeClr val="phClr">
-                <a:tint val="15000"/>
-                <a:satMod val="350000"/>
-              </a:schemeClr>
-            </a:gs>
-          </a:gsLst>
-          <a:lin ang="16200000" scaled="1"/>
-        </a:gradFill>
-        <a:gradFill rotWithShape="1">
-          <a:gsLst>
-            <a:gs pos="0">
-              <a:schemeClr val="phClr">
-                <a:tint val="100000"/>
-                <a:shade val="100000"/>
-                <a:satMod val="130000"/>
-              </a:schemeClr>
-            </a:gs>
-            <a:gs pos="100000">
-              <a:schemeClr val="phClr">
-                <a:tint val="50000"/>
-                <a:shade val="100000"/>
-                <a:satMod val="350000"/>
-              </a:schemeClr>
-            </a:gs>
-          </a:gsLst>
-          <a:lin ang="16200000" scaled="0"/>
-        </a:gradFill>
-      </a:fillStyleLst>
-      <a:lnStyleLst>
-        <a:ln w="9525" cap="flat" cmpd="sng" algn="ctr">
-          <a:solidFill>
-            <a:schemeClr val="phClr">
-              <a:shade val="95000"/>
-              <a:satMod val="105000"/>
-            </a:schemeClr>
-          </a:solidFill>
-          <a:prstDash val="solid"/>
-        </a:ln>
-        <a:ln w="25400" cap="flat" cmpd="sng" algn="ctr">
-          <a:solidFill>
-            <a:schemeClr val="phClr"/>
-          </a:solidFill>
-          <a:prstDash val="solid"/>
-        </a:ln>
-        <a:ln w="38100" cap="flat" cmpd="sng" algn="ctr">
-          <a:solidFill>
-            <a:schemeClr val="phClr"/>
-          </a:solidFill>
-          <a:prstDash val="solid"/>
-        </a:ln>
-      </a:lnStyleLst>
-      <a:effectStyleLst>
-        <a:effectStyle>
-          <a:effectLst>
-            <a:outerShdw blurRad="40000" dist="20000" dir="5400000" rotWithShape="0">
-              <a:srgbClr val="000000">
-                <a:alpha val="38000"/>
-              </a:srgbClr>
-            </a:outerShdw>
-          </a:effectLst>
-        </a:effectStyle>
-        <a:effectStyle>
-          <a:effectLst>
-            <a:outerShdw blurRad="40000" dist="23000" dir="5400000" rotWithShape="0">
-              <a:srgbClr val="000000">
-                <a:alpha val="35000"/>
-              </a:srgbClr>
-            </a:outerShdw>
-          </a:effectLst>
-        </a:effectStyle>
-        <a:effectStyle>
-          <a:effectLst>
-            <a:outerShdw blurRad="40000" dist="23000" dir="5400000" rotWithShape="0">
-              <a:srgbClr val="000000">
-                <a:alpha val="35000"/>
-              </a:srgbClr>
-            </a:outerShdw>
-          </a:effectLst>
-          <a:scene3d>
-            <a:camera prst="orthographicFront">
-              <a:rot lat="0" lon="0" rev="0"/>
-            </a:camera>
-            <a:lightRig rig="threePt" dir="t">
-              <a:rot lat="0" lon="0" rev="1200000"/>
-            </a:lightRig>
-          </a:scene3d>
-          <a:sp3d>
-            <a:bevelT w="63500" h="25400"/>
-          </a:sp3d>
-        </a:effectStyle>
-      </a:effectStyleLst>
-      <a:bgFillStyleLst>
-        <a:solidFill>
-          <a:schemeClr val="phClr"/>
-        </a:solidFill>
-        <a:gradFill rotWithShape="1">
-          <a:gsLst>
-            <a:gs pos="0">
-              <a:schemeClr val="phClr">
-                <a:tint val="40000"/>
-                <a:satMod val="350000"/>
-              </a:schemeClr>
-            </a:gs>
-            <a:gs pos="40000">
-              <a:schemeClr val="phClr">
-                <a:tint val="45000"/>
-                <a:shade val="99000"/>
-                <a:satMod val="350000"/>
-              </a:schemeClr>
-            </a:gs>
-            <a:gs pos="100000">
-              <a:schemeClr val="phClr">
-                <a:shade val="20000"/>
-                <a:satMod val="255000"/>
-              </a:schemeClr>
-            </a:gs>
-          </a:gsLst>
-          <a:path path="circle">
-            <a:fillToRect l="50000" t="-80000" r="50000" b="180000"/>
-          </a:path>
-        </a:gradFill>
-        <a:gradFill rotWithShape="1">
-          <a:gsLst>
-            <a:gs pos="0">
-              <a:schemeClr val="phClr">
-                <a:tint val="80000"/>
-                <a:satMod val="300000"/>
-              </a:schemeClr>
-            </a:gs>
-            <a:gs pos="100000">
-              <a:schemeClr val="phClr">
-                <a:shade val="30000"/>
-                <a:satMod val="200000"/>
-              </a:schemeClr>
-            </a:gs>
-          </a:gsLst>
-          <a:path path="circle">
-            <a:fillToRect l="50000" t="50000" r="50000" b="50000"/>
-          </a:path>
-        </a:gradFill>
-      </a:bgFillStyleLst>
-    </a:fmtScheme>
-  </a:themeElements>
-</a:theme>
 </file>